--- a/firewalls/Firewalls_2019.pptx
+++ b/firewalls/Firewalls_2019.pptx
@@ -16,7 +16,12 @@
     <p:sldId id="290" r:id="rId10"/>
     <p:sldId id="298" r:id="rId11"/>
     <p:sldId id="297" r:id="rId12"/>
-    <p:sldId id="279" r:id="rId13"/>
+    <p:sldId id="299" r:id="rId13"/>
+    <p:sldId id="300" r:id="rId14"/>
+    <p:sldId id="301" r:id="rId15"/>
+    <p:sldId id="302" r:id="rId16"/>
+    <p:sldId id="303" r:id="rId17"/>
+    <p:sldId id="279" r:id="rId18"/>
   </p:sldIdLst>
   <p:sldSz cx="9144000" cy="6858000" type="screen4x3"/>
   <p:notesSz cx="6858000" cy="9144000"/>
@@ -3427,6 +3432,1083 @@
       </p:grpSpPr>
       <p:sp>
         <p:nvSpPr>
+          <p:cNvPr id="2" name="Title 1">
+            <a:extLst>
+              <a:ext uri="{FF2B5EF4-FFF2-40B4-BE49-F238E27FC236}">
+                <a16:creationId xmlns:a16="http://schemas.microsoft.com/office/drawing/2014/main" id="{3A8ED15E-B775-F140-AF8F-E6FF2792FCB2}"/>
+              </a:ext>
+            </a:extLst>
+          </p:cNvPr>
+          <p:cNvSpPr>
+            <a:spLocks noGrp="1"/>
+          </p:cNvSpPr>
+          <p:nvPr>
+            <p:ph type="title"/>
+          </p:nvPr>
+        </p:nvSpPr>
+        <p:spPr>
+          <a:xfrm>
+            <a:off x="0" y="274638"/>
+            <a:ext cx="9380483" cy="1143000"/>
+          </a:xfrm>
+        </p:spPr>
+        <p:txBody>
+          <a:bodyPr>
+            <a:normAutofit fontScale="90000"/>
+          </a:bodyPr>
+          <a:lstStyle/>
+          <a:p>
+            <a:r>
+              <a:rPr lang="en-US" b="1" dirty="0" err="1"/>
+              <a:t>sudo</a:t>
+            </a:r>
+            <a:r>
+              <a:rPr lang="en-US" b="1" dirty="0"/>
+              <a:t> iptables -A INPUT -p </a:t>
+            </a:r>
+            <a:r>
+              <a:rPr lang="en-US" b="1" dirty="0" err="1"/>
+              <a:t>icmp</a:t>
+            </a:r>
+            <a:r>
+              <a:rPr lang="en-US" b="1" dirty="0"/>
+              <a:t> -j ACCEPT</a:t>
+            </a:r>
+            <a:br>
+              <a:rPr lang="en-US" b="1" dirty="0"/>
+            </a:br>
+            <a:endParaRPr lang="en-US" dirty="0"/>
+          </a:p>
+        </p:txBody>
+      </p:sp>
+      <p:sp>
+        <p:nvSpPr>
+          <p:cNvPr id="3" name="Content Placeholder 2">
+            <a:extLst>
+              <a:ext uri="{FF2B5EF4-FFF2-40B4-BE49-F238E27FC236}">
+                <a16:creationId xmlns:a16="http://schemas.microsoft.com/office/drawing/2014/main" id="{90EF442D-D180-9846-8227-7EDF288530DF}"/>
+              </a:ext>
+            </a:extLst>
+          </p:cNvPr>
+          <p:cNvSpPr>
+            <a:spLocks noGrp="1"/>
+          </p:cNvSpPr>
+          <p:nvPr>
+            <p:ph idx="1"/>
+          </p:nvPr>
+        </p:nvSpPr>
+        <p:spPr>
+          <a:xfrm>
+            <a:off x="457200" y="1600200"/>
+            <a:ext cx="8371490" cy="5005552"/>
+          </a:xfrm>
+        </p:spPr>
+        <p:txBody>
+          <a:bodyPr>
+            <a:normAutofit fontScale="92500" lnSpcReduction="20000"/>
+          </a:bodyPr>
+          <a:lstStyle/>
+          <a:p>
+            <a:r>
+              <a:rPr lang="en-US" b="1" dirty="0"/>
+              <a:t>-A </a:t>
+            </a:r>
+            <a:r>
+              <a:rPr lang="en-US" dirty="0"/>
+              <a:t>- Append  one  or  more  rules to the end of the selected chain</a:t>
+            </a:r>
+          </a:p>
+          <a:p>
+            <a:r>
+              <a:rPr lang="en-US" b="1" dirty="0"/>
+              <a:t>INPUT </a:t>
+            </a:r>
+            <a:r>
+              <a:rPr lang="en-US" dirty="0"/>
+              <a:t>- The filter table is the default table. It contains the actual firewall filtering rules. The built-in chains include these INPUT, OUTPUT, FORWARD</a:t>
+            </a:r>
+          </a:p>
+          <a:p>
+            <a:r>
+              <a:rPr lang="en-US" b="1" dirty="0"/>
+              <a:t>-p </a:t>
+            </a:r>
+            <a:r>
+              <a:rPr lang="en-US" b="1" dirty="0" err="1"/>
+              <a:t>icmp</a:t>
+            </a:r>
+            <a:r>
+              <a:rPr lang="en-US" dirty="0"/>
+              <a:t>– Protocol (</a:t>
+            </a:r>
+            <a:r>
+              <a:rPr lang="en-US" dirty="0" err="1"/>
+              <a:t>tcp</a:t>
+            </a:r>
+            <a:r>
+              <a:rPr lang="en-US" dirty="0"/>
+              <a:t>, </a:t>
+            </a:r>
+            <a:r>
+              <a:rPr lang="en-US" dirty="0" err="1"/>
+              <a:t>udp</a:t>
+            </a:r>
+            <a:r>
+              <a:rPr lang="en-US" dirty="0"/>
+              <a:t>,, </a:t>
+            </a:r>
+            <a:r>
+              <a:rPr lang="en-US" dirty="0" err="1"/>
+              <a:t>icmp</a:t>
+            </a:r>
+            <a:r>
+              <a:rPr lang="en-US" dirty="0"/>
+              <a:t>, all,  among others</a:t>
+            </a:r>
+            <a:r>
+              <a:rPr lang="en-US" b="1" dirty="0"/>
+              <a:t>)</a:t>
+            </a:r>
+            <a:endParaRPr lang="en-US" dirty="0"/>
+          </a:p>
+          <a:p>
+            <a:r>
+              <a:rPr lang="en-US" b="1" dirty="0"/>
+              <a:t>-j ACCEPT </a:t>
+            </a:r>
+            <a:r>
+              <a:rPr lang="en-US" dirty="0"/>
+              <a:t>– Jump -This specifies the target of the rule; i.e., what to do if the  packet  matches it: either </a:t>
+            </a:r>
+            <a:r>
+              <a:rPr lang="en-US" b="1" i="1" dirty="0"/>
+              <a:t>ACCEPT</a:t>
+            </a:r>
+            <a:r>
+              <a:rPr lang="en-US" dirty="0"/>
+              <a:t> or DROP</a:t>
+            </a:r>
+            <a:br>
+              <a:rPr lang="en-US" dirty="0"/>
+            </a:br>
+            <a:endParaRPr lang="en-US" dirty="0"/>
+          </a:p>
+          <a:p>
+            <a:endParaRPr lang="en-US" dirty="0"/>
+          </a:p>
+        </p:txBody>
+      </p:sp>
+    </p:spTree>
+    <p:extLst>
+      <p:ext uri="{BB962C8B-B14F-4D97-AF65-F5344CB8AC3E}">
+        <p14:creationId xmlns:p14="http://schemas.microsoft.com/office/powerpoint/2010/main" val="3999759735"/>
+      </p:ext>
+    </p:extLst>
+  </p:cSld>
+  <p:clrMapOvr>
+    <a:masterClrMapping/>
+  </p:clrMapOvr>
+</p:sld>
+</file>
+
+<file path=ppt/slides/slide13.xml><?xml version="1.0" encoding="utf-8"?>
+<p:sld xmlns:a="http://schemas.openxmlformats.org/drawingml/2006/main" xmlns:r="http://schemas.openxmlformats.org/officeDocument/2006/relationships" xmlns:p="http://schemas.openxmlformats.org/presentationml/2006/main">
+  <p:cSld>
+    <p:spTree>
+      <p:nvGrpSpPr>
+        <p:cNvPr id="1" name=""/>
+        <p:cNvGrpSpPr/>
+        <p:nvPr/>
+      </p:nvGrpSpPr>
+      <p:grpSpPr>
+        <a:xfrm>
+          <a:off x="0" y="0"/>
+          <a:ext cx="0" cy="0"/>
+          <a:chOff x="0" y="0"/>
+          <a:chExt cx="0" cy="0"/>
+        </a:xfrm>
+      </p:grpSpPr>
+      <p:sp>
+        <p:nvSpPr>
+          <p:cNvPr id="2" name="Title 1">
+            <a:extLst>
+              <a:ext uri="{FF2B5EF4-FFF2-40B4-BE49-F238E27FC236}">
+                <a16:creationId xmlns:a16="http://schemas.microsoft.com/office/drawing/2014/main" id="{3A8ED15E-B775-F140-AF8F-E6FF2792FCB2}"/>
+              </a:ext>
+            </a:extLst>
+          </p:cNvPr>
+          <p:cNvSpPr>
+            <a:spLocks noGrp="1"/>
+          </p:cNvSpPr>
+          <p:nvPr>
+            <p:ph type="title"/>
+          </p:nvPr>
+        </p:nvSpPr>
+        <p:spPr>
+          <a:xfrm>
+            <a:off x="0" y="274638"/>
+            <a:ext cx="9380483" cy="1143000"/>
+          </a:xfrm>
+        </p:spPr>
+        <p:txBody>
+          <a:bodyPr>
+            <a:normAutofit fontScale="90000"/>
+          </a:bodyPr>
+          <a:lstStyle/>
+          <a:p>
+            <a:r>
+              <a:rPr lang="en-US" b="1" dirty="0" err="1"/>
+              <a:t>sudo</a:t>
+            </a:r>
+            <a:r>
+              <a:rPr lang="en-US" b="1" dirty="0"/>
+              <a:t> iptables -I INPUT -p </a:t>
+            </a:r>
+            <a:r>
+              <a:rPr lang="en-US" b="1" dirty="0" err="1"/>
+              <a:t>icmp</a:t>
+            </a:r>
+            <a:r>
+              <a:rPr lang="en-US" b="1" dirty="0"/>
+              <a:t> -j DROP</a:t>
+            </a:r>
+            <a:br>
+              <a:rPr lang="en-US" b="1" dirty="0"/>
+            </a:br>
+            <a:endParaRPr lang="en-US" dirty="0"/>
+          </a:p>
+        </p:txBody>
+      </p:sp>
+      <p:sp>
+        <p:nvSpPr>
+          <p:cNvPr id="3" name="Content Placeholder 2">
+            <a:extLst>
+              <a:ext uri="{FF2B5EF4-FFF2-40B4-BE49-F238E27FC236}">
+                <a16:creationId xmlns:a16="http://schemas.microsoft.com/office/drawing/2014/main" id="{90EF442D-D180-9846-8227-7EDF288530DF}"/>
+              </a:ext>
+            </a:extLst>
+          </p:cNvPr>
+          <p:cNvSpPr>
+            <a:spLocks noGrp="1"/>
+          </p:cNvSpPr>
+          <p:nvPr>
+            <p:ph idx="1"/>
+          </p:nvPr>
+        </p:nvSpPr>
+        <p:spPr>
+          <a:xfrm>
+            <a:off x="457200" y="1600200"/>
+            <a:ext cx="8371490" cy="5005552"/>
+          </a:xfrm>
+        </p:spPr>
+        <p:txBody>
+          <a:bodyPr>
+            <a:normAutofit fontScale="92500" lnSpcReduction="10000"/>
+          </a:bodyPr>
+          <a:lstStyle/>
+          <a:p>
+            <a:r>
+              <a:rPr lang="en-US" b="1" dirty="0"/>
+              <a:t>-I </a:t>
+            </a:r>
+            <a:r>
+              <a:rPr lang="en-US" dirty="0"/>
+              <a:t>- Inserts a rule at the beginning of the chain</a:t>
+            </a:r>
+          </a:p>
+          <a:p>
+            <a:r>
+              <a:rPr lang="en-US" b="1" dirty="0"/>
+              <a:t>INPUT </a:t>
+            </a:r>
+            <a:r>
+              <a:rPr lang="en-US" dirty="0"/>
+              <a:t>- The filter table is the default table. It contains the actual firewall filtering rules. The built-in chains include these INPUT, OUTPUT, FORWARD</a:t>
+            </a:r>
+          </a:p>
+          <a:p>
+            <a:r>
+              <a:rPr lang="en-US" b="1" dirty="0"/>
+              <a:t>-p </a:t>
+            </a:r>
+            <a:r>
+              <a:rPr lang="en-US" b="1" dirty="0" err="1"/>
+              <a:t>icmp</a:t>
+            </a:r>
+            <a:r>
+              <a:rPr lang="en-US" dirty="0"/>
+              <a:t>– Protocol (</a:t>
+            </a:r>
+            <a:r>
+              <a:rPr lang="en-US" dirty="0" err="1"/>
+              <a:t>tcp</a:t>
+            </a:r>
+            <a:r>
+              <a:rPr lang="en-US" dirty="0"/>
+              <a:t>, </a:t>
+            </a:r>
+            <a:r>
+              <a:rPr lang="en-US" dirty="0" err="1"/>
+              <a:t>udp</a:t>
+            </a:r>
+            <a:r>
+              <a:rPr lang="en-US" dirty="0"/>
+              <a:t>,, </a:t>
+            </a:r>
+            <a:r>
+              <a:rPr lang="en-US" dirty="0" err="1"/>
+              <a:t>icmp</a:t>
+            </a:r>
+            <a:r>
+              <a:rPr lang="en-US" dirty="0"/>
+              <a:t>, all,  among others</a:t>
+            </a:r>
+            <a:r>
+              <a:rPr lang="en-US" b="1" dirty="0"/>
+              <a:t>)</a:t>
+            </a:r>
+            <a:endParaRPr lang="en-US" dirty="0"/>
+          </a:p>
+          <a:p>
+            <a:r>
+              <a:rPr lang="en-US" b="1" dirty="0"/>
+              <a:t>-j DROP </a:t>
+            </a:r>
+            <a:r>
+              <a:rPr lang="en-US" dirty="0"/>
+              <a:t>– Jump -This specifies the target of the rule; i.e., what to do if the  packet  matches it: either ACCEPT or </a:t>
+            </a:r>
+            <a:r>
+              <a:rPr lang="en-US" b="1" i="1" dirty="0"/>
+              <a:t>DROP</a:t>
+            </a:r>
+            <a:br>
+              <a:rPr lang="en-US" dirty="0"/>
+            </a:br>
+            <a:endParaRPr lang="en-US" dirty="0"/>
+          </a:p>
+          <a:p>
+            <a:endParaRPr lang="en-US" dirty="0"/>
+          </a:p>
+        </p:txBody>
+      </p:sp>
+    </p:spTree>
+    <p:extLst>
+      <p:ext uri="{BB962C8B-B14F-4D97-AF65-F5344CB8AC3E}">
+        <p14:creationId xmlns:p14="http://schemas.microsoft.com/office/powerpoint/2010/main" val="2457965366"/>
+      </p:ext>
+    </p:extLst>
+  </p:cSld>
+  <p:clrMapOvr>
+    <a:masterClrMapping/>
+  </p:clrMapOvr>
+</p:sld>
+</file>
+
+<file path=ppt/slides/slide14.xml><?xml version="1.0" encoding="utf-8"?>
+<p:sld xmlns:a="http://schemas.openxmlformats.org/drawingml/2006/main" xmlns:r="http://schemas.openxmlformats.org/officeDocument/2006/relationships" xmlns:p="http://schemas.openxmlformats.org/presentationml/2006/main">
+  <p:cSld>
+    <p:spTree>
+      <p:nvGrpSpPr>
+        <p:cNvPr id="1" name=""/>
+        <p:cNvGrpSpPr/>
+        <p:nvPr/>
+      </p:nvGrpSpPr>
+      <p:grpSpPr>
+        <a:xfrm>
+          <a:off x="0" y="0"/>
+          <a:ext cx="0" cy="0"/>
+          <a:chOff x="0" y="0"/>
+          <a:chExt cx="0" cy="0"/>
+        </a:xfrm>
+      </p:grpSpPr>
+      <p:sp>
+        <p:nvSpPr>
+          <p:cNvPr id="2" name="Title 1">
+            <a:extLst>
+              <a:ext uri="{FF2B5EF4-FFF2-40B4-BE49-F238E27FC236}">
+                <a16:creationId xmlns:a16="http://schemas.microsoft.com/office/drawing/2014/main" id="{1E2C5878-D423-1542-B5EA-48E4415F61D6}"/>
+              </a:ext>
+            </a:extLst>
+          </p:cNvPr>
+          <p:cNvSpPr>
+            <a:spLocks noGrp="1"/>
+          </p:cNvSpPr>
+          <p:nvPr>
+            <p:ph type="title"/>
+          </p:nvPr>
+        </p:nvSpPr>
+        <p:spPr/>
+        <p:txBody>
+          <a:bodyPr/>
+          <a:lstStyle/>
+          <a:p>
+            <a:r>
+              <a:rPr lang="en-US" b="1" dirty="0"/>
+              <a:t>Show the order of the rules</a:t>
+            </a:r>
+          </a:p>
+        </p:txBody>
+      </p:sp>
+      <p:sp>
+        <p:nvSpPr>
+          <p:cNvPr id="3" name="Content Placeholder 2">
+            <a:extLst>
+              <a:ext uri="{FF2B5EF4-FFF2-40B4-BE49-F238E27FC236}">
+                <a16:creationId xmlns:a16="http://schemas.microsoft.com/office/drawing/2014/main" id="{43537573-35C0-914B-89D8-A513CF5EE701}"/>
+              </a:ext>
+            </a:extLst>
+          </p:cNvPr>
+          <p:cNvSpPr>
+            <a:spLocks noGrp="1"/>
+          </p:cNvSpPr>
+          <p:nvPr>
+            <p:ph idx="1"/>
+          </p:nvPr>
+        </p:nvSpPr>
+        <p:spPr/>
+        <p:txBody>
+          <a:bodyPr/>
+          <a:lstStyle/>
+          <a:p>
+            <a:pPr marL="0" indent="0">
+              <a:buNone/>
+            </a:pPr>
+            <a:r>
+              <a:rPr lang="en-US" dirty="0" err="1"/>
+              <a:t>sudo</a:t>
+            </a:r>
+            <a:r>
+              <a:rPr lang="en-US" dirty="0"/>
+              <a:t> iptables -L INPUT -</a:t>
+            </a:r>
+            <a:r>
+              <a:rPr lang="en-US" dirty="0" err="1"/>
+              <a:t>nv</a:t>
+            </a:r>
+            <a:r>
+              <a:rPr lang="en-US" dirty="0"/>
+              <a:t> --line-numbers</a:t>
+            </a:r>
+          </a:p>
+          <a:p>
+            <a:pPr marL="0" indent="0">
+              <a:buNone/>
+            </a:pPr>
+            <a:endParaRPr lang="en-US" dirty="0"/>
+          </a:p>
+          <a:p>
+            <a:pPr marL="0" indent="0">
+              <a:buNone/>
+            </a:pPr>
+            <a:endParaRPr lang="en-US" dirty="0"/>
+          </a:p>
+          <a:p>
+            <a:endParaRPr lang="en-US" dirty="0"/>
+          </a:p>
+        </p:txBody>
+      </p:sp>
+      <p:pic>
+        <p:nvPicPr>
+          <p:cNvPr id="5" name="Picture 4">
+            <a:extLst>
+              <a:ext uri="{FF2B5EF4-FFF2-40B4-BE49-F238E27FC236}">
+                <a16:creationId xmlns:a16="http://schemas.microsoft.com/office/drawing/2014/main" id="{2C189E70-EAEE-8646-B3AA-104E51853846}"/>
+              </a:ext>
+            </a:extLst>
+          </p:cNvPr>
+          <p:cNvPicPr>
+            <a:picLocks noChangeAspect="1"/>
+          </p:cNvPicPr>
+          <p:nvPr/>
+        </p:nvPicPr>
+        <p:blipFill>
+          <a:blip r:embed="rId2"/>
+          <a:stretch>
+            <a:fillRect/>
+          </a:stretch>
+        </p:blipFill>
+        <p:spPr>
+          <a:xfrm>
+            <a:off x="583325" y="2802799"/>
+            <a:ext cx="9144000" cy="1805453"/>
+          </a:xfrm>
+          <a:prstGeom prst="rect">
+            <a:avLst/>
+          </a:prstGeom>
+        </p:spPr>
+      </p:pic>
+    </p:spTree>
+    <p:extLst>
+      <p:ext uri="{BB962C8B-B14F-4D97-AF65-F5344CB8AC3E}">
+        <p14:creationId xmlns:p14="http://schemas.microsoft.com/office/powerpoint/2010/main" val="3223020489"/>
+      </p:ext>
+    </p:extLst>
+  </p:cSld>
+  <p:clrMapOvr>
+    <a:masterClrMapping/>
+  </p:clrMapOvr>
+</p:sld>
+</file>
+
+<file path=ppt/slides/slide15.xml><?xml version="1.0" encoding="utf-8"?>
+<p:sld xmlns:a="http://schemas.openxmlformats.org/drawingml/2006/main" xmlns:r="http://schemas.openxmlformats.org/officeDocument/2006/relationships" xmlns:p="http://schemas.openxmlformats.org/presentationml/2006/main">
+  <p:cSld>
+    <p:spTree>
+      <p:nvGrpSpPr>
+        <p:cNvPr id="1" name=""/>
+        <p:cNvGrpSpPr/>
+        <p:nvPr/>
+      </p:nvGrpSpPr>
+      <p:grpSpPr>
+        <a:xfrm>
+          <a:off x="0" y="0"/>
+          <a:ext cx="0" cy="0"/>
+          <a:chOff x="0" y="0"/>
+          <a:chExt cx="0" cy="0"/>
+        </a:xfrm>
+      </p:grpSpPr>
+      <p:sp>
+        <p:nvSpPr>
+          <p:cNvPr id="2" name="Title 1">
+            <a:extLst>
+              <a:ext uri="{FF2B5EF4-FFF2-40B4-BE49-F238E27FC236}">
+                <a16:creationId xmlns:a16="http://schemas.microsoft.com/office/drawing/2014/main" id="{B5AA28E4-0910-084E-A0B8-00584AD8DE77}"/>
+              </a:ext>
+            </a:extLst>
+          </p:cNvPr>
+          <p:cNvSpPr>
+            <a:spLocks noGrp="1"/>
+          </p:cNvSpPr>
+          <p:nvPr>
+            <p:ph type="title"/>
+          </p:nvPr>
+        </p:nvSpPr>
+        <p:spPr/>
+        <p:txBody>
+          <a:bodyPr/>
+          <a:lstStyle/>
+          <a:p>
+            <a:r>
+              <a:rPr lang="en-US" b="1" dirty="0"/>
+              <a:t>Delete a rule</a:t>
+            </a:r>
+          </a:p>
+        </p:txBody>
+      </p:sp>
+      <p:pic>
+        <p:nvPicPr>
+          <p:cNvPr id="5" name="Content Placeholder 4">
+            <a:extLst>
+              <a:ext uri="{FF2B5EF4-FFF2-40B4-BE49-F238E27FC236}">
+                <a16:creationId xmlns:a16="http://schemas.microsoft.com/office/drawing/2014/main" id="{4657317E-E746-264B-B0C4-484DF53AC2BF}"/>
+              </a:ext>
+            </a:extLst>
+          </p:cNvPr>
+          <p:cNvPicPr>
+            <a:picLocks noGrp="1" noChangeAspect="1"/>
+          </p:cNvPicPr>
+          <p:nvPr>
+            <p:ph idx="1"/>
+          </p:nvPr>
+        </p:nvPicPr>
+        <p:blipFill>
+          <a:blip r:embed="rId2"/>
+          <a:stretch>
+            <a:fillRect/>
+          </a:stretch>
+        </p:blipFill>
+        <p:spPr>
+          <a:xfrm>
+            <a:off x="283779" y="2758966"/>
+            <a:ext cx="9230503" cy="2900855"/>
+          </a:xfrm>
+        </p:spPr>
+      </p:pic>
+      <p:sp>
+        <p:nvSpPr>
+          <p:cNvPr id="6" name="Content Placeholder 2">
+            <a:extLst>
+              <a:ext uri="{FF2B5EF4-FFF2-40B4-BE49-F238E27FC236}">
+                <a16:creationId xmlns:a16="http://schemas.microsoft.com/office/drawing/2014/main" id="{17C18F51-0631-A74B-BFC4-0CD41CD77D28}"/>
+              </a:ext>
+            </a:extLst>
+          </p:cNvPr>
+          <p:cNvSpPr txBox="1">
+            <a:spLocks/>
+          </p:cNvSpPr>
+          <p:nvPr/>
+        </p:nvSpPr>
+        <p:spPr>
+          <a:xfrm>
+            <a:off x="457200" y="1600200"/>
+            <a:ext cx="8229600" cy="4525963"/>
+          </a:xfrm>
+          <a:prstGeom prst="rect">
+            <a:avLst/>
+          </a:prstGeom>
+        </p:spPr>
+        <p:txBody>
+          <a:bodyPr vert="horz" lIns="91440" tIns="45720" rIns="91440" bIns="45720" rtlCol="0">
+            <a:normAutofit/>
+          </a:bodyPr>
+          <a:lstStyle>
+            <a:lvl1pPr marL="342900" indent="-342900" algn="l" defTabSz="457200" rtl="0" eaLnBrk="1" latinLnBrk="0" hangingPunct="1">
+              <a:spcBef>
+                <a:spcPct val="20000"/>
+              </a:spcBef>
+              <a:buFont typeface="Arial"/>
+              <a:buChar char="•"/>
+              <a:defRPr sz="3200" kern="1200">
+                <a:solidFill>
+                  <a:schemeClr val="tx1"/>
+                </a:solidFill>
+                <a:latin typeface="+mn-lt"/>
+                <a:ea typeface="+mn-ea"/>
+                <a:cs typeface="+mn-cs"/>
+              </a:defRPr>
+            </a:lvl1pPr>
+            <a:lvl2pPr marL="742950" indent="-285750" algn="l" defTabSz="457200" rtl="0" eaLnBrk="1" latinLnBrk="0" hangingPunct="1">
+              <a:spcBef>
+                <a:spcPct val="20000"/>
+              </a:spcBef>
+              <a:buFont typeface="Arial"/>
+              <a:buChar char="–"/>
+              <a:defRPr sz="2800" kern="1200">
+                <a:solidFill>
+                  <a:schemeClr val="tx1"/>
+                </a:solidFill>
+                <a:latin typeface="+mn-lt"/>
+                <a:ea typeface="+mn-ea"/>
+                <a:cs typeface="+mn-cs"/>
+              </a:defRPr>
+            </a:lvl2pPr>
+            <a:lvl3pPr marL="1143000" indent="-228600" algn="l" defTabSz="457200" rtl="0" eaLnBrk="1" latinLnBrk="0" hangingPunct="1">
+              <a:spcBef>
+                <a:spcPct val="20000"/>
+              </a:spcBef>
+              <a:buFont typeface="Arial"/>
+              <a:buChar char="•"/>
+              <a:defRPr sz="2400" kern="1200">
+                <a:solidFill>
+                  <a:schemeClr val="tx1"/>
+                </a:solidFill>
+                <a:latin typeface="+mn-lt"/>
+                <a:ea typeface="+mn-ea"/>
+                <a:cs typeface="+mn-cs"/>
+              </a:defRPr>
+            </a:lvl3pPr>
+            <a:lvl4pPr marL="1600200" indent="-228600" algn="l" defTabSz="457200" rtl="0" eaLnBrk="1" latinLnBrk="0" hangingPunct="1">
+              <a:spcBef>
+                <a:spcPct val="20000"/>
+              </a:spcBef>
+              <a:buFont typeface="Arial"/>
+              <a:buChar char="–"/>
+              <a:defRPr sz="2000" kern="1200">
+                <a:solidFill>
+                  <a:schemeClr val="tx1"/>
+                </a:solidFill>
+                <a:latin typeface="+mn-lt"/>
+                <a:ea typeface="+mn-ea"/>
+                <a:cs typeface="+mn-cs"/>
+              </a:defRPr>
+            </a:lvl4pPr>
+            <a:lvl5pPr marL="2057400" indent="-228600" algn="l" defTabSz="457200" rtl="0" eaLnBrk="1" latinLnBrk="0" hangingPunct="1">
+              <a:spcBef>
+                <a:spcPct val="20000"/>
+              </a:spcBef>
+              <a:buFont typeface="Arial"/>
+              <a:buChar char="»"/>
+              <a:defRPr sz="2000" kern="1200">
+                <a:solidFill>
+                  <a:schemeClr val="tx1"/>
+                </a:solidFill>
+                <a:latin typeface="+mn-lt"/>
+                <a:ea typeface="+mn-ea"/>
+                <a:cs typeface="+mn-cs"/>
+              </a:defRPr>
+            </a:lvl5pPr>
+            <a:lvl6pPr marL="2514600" indent="-228600" algn="l" defTabSz="457200" rtl="0" eaLnBrk="1" latinLnBrk="0" hangingPunct="1">
+              <a:spcBef>
+                <a:spcPct val="20000"/>
+              </a:spcBef>
+              <a:buFont typeface="Arial"/>
+              <a:buChar char="•"/>
+              <a:defRPr sz="2000" kern="1200">
+                <a:solidFill>
+                  <a:schemeClr val="tx1"/>
+                </a:solidFill>
+                <a:latin typeface="+mn-lt"/>
+                <a:ea typeface="+mn-ea"/>
+                <a:cs typeface="+mn-cs"/>
+              </a:defRPr>
+            </a:lvl6pPr>
+            <a:lvl7pPr marL="2971800" indent="-228600" algn="l" defTabSz="457200" rtl="0" eaLnBrk="1" latinLnBrk="0" hangingPunct="1">
+              <a:spcBef>
+                <a:spcPct val="20000"/>
+              </a:spcBef>
+              <a:buFont typeface="Arial"/>
+              <a:buChar char="•"/>
+              <a:defRPr sz="2000" kern="1200">
+                <a:solidFill>
+                  <a:schemeClr val="tx1"/>
+                </a:solidFill>
+                <a:latin typeface="+mn-lt"/>
+                <a:ea typeface="+mn-ea"/>
+                <a:cs typeface="+mn-cs"/>
+              </a:defRPr>
+            </a:lvl7pPr>
+            <a:lvl8pPr marL="3429000" indent="-228600" algn="l" defTabSz="457200" rtl="0" eaLnBrk="1" latinLnBrk="0" hangingPunct="1">
+              <a:spcBef>
+                <a:spcPct val="20000"/>
+              </a:spcBef>
+              <a:buFont typeface="Arial"/>
+              <a:buChar char="•"/>
+              <a:defRPr sz="2000" kern="1200">
+                <a:solidFill>
+                  <a:schemeClr val="tx1"/>
+                </a:solidFill>
+                <a:latin typeface="+mn-lt"/>
+                <a:ea typeface="+mn-ea"/>
+                <a:cs typeface="+mn-cs"/>
+              </a:defRPr>
+            </a:lvl8pPr>
+            <a:lvl9pPr marL="3886200" indent="-228600" algn="l" defTabSz="457200" rtl="0" eaLnBrk="1" latinLnBrk="0" hangingPunct="1">
+              <a:spcBef>
+                <a:spcPct val="20000"/>
+              </a:spcBef>
+              <a:buFont typeface="Arial"/>
+              <a:buChar char="•"/>
+              <a:defRPr sz="2000" kern="1200">
+                <a:solidFill>
+                  <a:schemeClr val="tx1"/>
+                </a:solidFill>
+                <a:latin typeface="+mn-lt"/>
+                <a:ea typeface="+mn-ea"/>
+                <a:cs typeface="+mn-cs"/>
+              </a:defRPr>
+            </a:lvl9pPr>
+          </a:lstStyle>
+          <a:p>
+            <a:pPr marL="0" indent="0">
+              <a:buFont typeface="Arial"/>
+              <a:buNone/>
+            </a:pPr>
+            <a:endParaRPr lang="en-US" dirty="0"/>
+          </a:p>
+          <a:p>
+            <a:pPr marL="0" indent="0">
+              <a:buFont typeface="Arial"/>
+              <a:buNone/>
+            </a:pPr>
+            <a:endParaRPr lang="en-US" dirty="0"/>
+          </a:p>
+          <a:p>
+            <a:endParaRPr lang="en-US" dirty="0"/>
+          </a:p>
+        </p:txBody>
+      </p:sp>
+      <p:sp>
+        <p:nvSpPr>
+          <p:cNvPr id="10" name="TextBox 9">
+            <a:extLst>
+              <a:ext uri="{FF2B5EF4-FFF2-40B4-BE49-F238E27FC236}">
+                <a16:creationId xmlns:a16="http://schemas.microsoft.com/office/drawing/2014/main" id="{B1F18F79-C11D-184F-8FE5-A1D0B22E2C1E}"/>
+              </a:ext>
+            </a:extLst>
+          </p:cNvPr>
+          <p:cNvSpPr txBox="1"/>
+          <p:nvPr/>
+        </p:nvSpPr>
+        <p:spPr>
+          <a:xfrm>
+            <a:off x="867103" y="1835424"/>
+            <a:ext cx="6022427" cy="707886"/>
+          </a:xfrm>
+          <a:prstGeom prst="rect">
+            <a:avLst/>
+          </a:prstGeom>
+          <a:noFill/>
+        </p:spPr>
+        <p:txBody>
+          <a:bodyPr wrap="square" rtlCol="0">
+            <a:spAutoFit/>
+          </a:bodyPr>
+          <a:lstStyle/>
+          <a:p>
+            <a:r>
+              <a:rPr lang="en-US" sz="4000" dirty="0" err="1"/>
+              <a:t>sudo</a:t>
+            </a:r>
+            <a:r>
+              <a:rPr lang="en-US" sz="4000" dirty="0"/>
+              <a:t> iptables -D INPUT 1</a:t>
+            </a:r>
+          </a:p>
+        </p:txBody>
+      </p:sp>
+    </p:spTree>
+    <p:extLst>
+      <p:ext uri="{BB962C8B-B14F-4D97-AF65-F5344CB8AC3E}">
+        <p14:creationId xmlns:p14="http://schemas.microsoft.com/office/powerpoint/2010/main" val="334564237"/>
+      </p:ext>
+    </p:extLst>
+  </p:cSld>
+  <p:clrMapOvr>
+    <a:masterClrMapping/>
+  </p:clrMapOvr>
+</p:sld>
+</file>
+
+<file path=ppt/slides/slide16.xml><?xml version="1.0" encoding="utf-8"?>
+<p:sld xmlns:a="http://schemas.openxmlformats.org/drawingml/2006/main" xmlns:r="http://schemas.openxmlformats.org/officeDocument/2006/relationships" xmlns:p="http://schemas.openxmlformats.org/presentationml/2006/main">
+  <p:cSld>
+    <p:spTree>
+      <p:nvGrpSpPr>
+        <p:cNvPr id="1" name=""/>
+        <p:cNvGrpSpPr/>
+        <p:nvPr/>
+      </p:nvGrpSpPr>
+      <p:grpSpPr>
+        <a:xfrm>
+          <a:off x="0" y="0"/>
+          <a:ext cx="0" cy="0"/>
+          <a:chOff x="0" y="0"/>
+          <a:chExt cx="0" cy="0"/>
+        </a:xfrm>
+      </p:grpSpPr>
+      <p:sp>
+        <p:nvSpPr>
+          <p:cNvPr id="2" name="Title 1">
+            <a:extLst>
+              <a:ext uri="{FF2B5EF4-FFF2-40B4-BE49-F238E27FC236}">
+                <a16:creationId xmlns:a16="http://schemas.microsoft.com/office/drawing/2014/main" id="{E002F60E-7BCA-A341-9C10-705B8DF2F286}"/>
+              </a:ext>
+            </a:extLst>
+          </p:cNvPr>
+          <p:cNvSpPr>
+            <a:spLocks noGrp="1"/>
+          </p:cNvSpPr>
+          <p:nvPr>
+            <p:ph type="title"/>
+          </p:nvPr>
+        </p:nvSpPr>
+        <p:spPr/>
+        <p:txBody>
+          <a:bodyPr/>
+          <a:lstStyle/>
+          <a:p>
+            <a:r>
+              <a:rPr lang="en-US" b="1" dirty="0"/>
+              <a:t>Comparison with BSD firewall PF</a:t>
+            </a:r>
+          </a:p>
+        </p:txBody>
+      </p:sp>
+      <p:sp>
+        <p:nvSpPr>
+          <p:cNvPr id="3" name="Content Placeholder 2">
+            <a:extLst>
+              <a:ext uri="{FF2B5EF4-FFF2-40B4-BE49-F238E27FC236}">
+                <a16:creationId xmlns:a16="http://schemas.microsoft.com/office/drawing/2014/main" id="{2F6C1513-11B1-8B4B-9514-4DBD04AC79E5}"/>
+              </a:ext>
+            </a:extLst>
+          </p:cNvPr>
+          <p:cNvSpPr>
+            <a:spLocks noGrp="1"/>
+          </p:cNvSpPr>
+          <p:nvPr>
+            <p:ph idx="1"/>
+          </p:nvPr>
+        </p:nvSpPr>
+        <p:spPr>
+          <a:xfrm>
+            <a:off x="283779" y="1417638"/>
+            <a:ext cx="8734097" cy="5156583"/>
+          </a:xfrm>
+        </p:spPr>
+        <p:txBody>
+          <a:bodyPr>
+            <a:normAutofit fontScale="85000" lnSpcReduction="10000"/>
+          </a:bodyPr>
+          <a:lstStyle/>
+          <a:p>
+            <a:pPr marL="0" indent="0">
+              <a:buNone/>
+            </a:pPr>
+            <a:r>
+              <a:rPr lang="en-US" sz="1900" dirty="0" err="1">
+                <a:latin typeface="Courier"/>
+                <a:cs typeface="Courier"/>
+              </a:rPr>
+              <a:t>good_ports</a:t>
+            </a:r>
+            <a:r>
+              <a:rPr lang="en-US" sz="1900" dirty="0">
+                <a:latin typeface="Courier"/>
+                <a:cs typeface="Courier"/>
+              </a:rPr>
+              <a:t>=“{ 22, 443, 80 }”</a:t>
+            </a:r>
+            <a:br>
+              <a:rPr lang="en-US" sz="1900" dirty="0">
+                <a:latin typeface="Courier"/>
+                <a:cs typeface="Courier"/>
+              </a:rPr>
+            </a:br>
+            <a:r>
+              <a:rPr lang="en-US" sz="1900" dirty="0">
+                <a:latin typeface="Courier"/>
+                <a:cs typeface="Courier"/>
+              </a:rPr>
+              <a:t>me=“192.168.0.1”</a:t>
+            </a:r>
+            <a:br>
+              <a:rPr lang="en-US" sz="1900" dirty="0">
+                <a:latin typeface="Courier"/>
+                <a:cs typeface="Courier"/>
+              </a:rPr>
+            </a:br>
+            <a:r>
+              <a:rPr lang="en-US" sz="1900" dirty="0">
+                <a:latin typeface="Courier"/>
+                <a:cs typeface="Courier"/>
+              </a:rPr>
+              <a:t>set skip on lo0</a:t>
+            </a:r>
+          </a:p>
+          <a:p>
+            <a:pPr marL="0" indent="0">
+              <a:buNone/>
+            </a:pPr>
+            <a:r>
+              <a:rPr lang="en-US" sz="1900" dirty="0">
+                <a:latin typeface="Courier"/>
+                <a:cs typeface="Courier"/>
+              </a:rPr>
+              <a:t>block in all</a:t>
+            </a:r>
+          </a:p>
+          <a:p>
+            <a:pPr marL="0" indent="0">
+              <a:buNone/>
+            </a:pPr>
+            <a:r>
+              <a:rPr lang="en-US" sz="1900" dirty="0">
+                <a:latin typeface="Courier"/>
+                <a:cs typeface="Courier"/>
+              </a:rPr>
+              <a:t>pass out all </a:t>
+            </a:r>
+          </a:p>
+          <a:p>
+            <a:pPr marL="0" indent="0">
+              <a:buNone/>
+            </a:pPr>
+            <a:r>
+              <a:rPr lang="en-US" sz="1900" dirty="0">
+                <a:latin typeface="Courier"/>
+                <a:cs typeface="Courier"/>
+              </a:rPr>
+              <a:t>pass in on em0 </a:t>
+            </a:r>
+            <a:r>
+              <a:rPr lang="en-US" sz="1900" dirty="0" err="1">
+                <a:latin typeface="Courier"/>
+                <a:cs typeface="Courier"/>
+              </a:rPr>
+              <a:t>inet</a:t>
+            </a:r>
+            <a:r>
+              <a:rPr lang="en-US" sz="1900" dirty="0">
+                <a:latin typeface="Courier"/>
+                <a:cs typeface="Courier"/>
+              </a:rPr>
+              <a:t> proto </a:t>
+            </a:r>
+            <a:r>
+              <a:rPr lang="en-US" sz="1900" dirty="0" err="1">
+                <a:latin typeface="Courier"/>
+                <a:cs typeface="Courier"/>
+              </a:rPr>
+              <a:t>tcp</a:t>
+            </a:r>
+            <a:r>
+              <a:rPr lang="en-US" sz="1900" dirty="0">
+                <a:latin typeface="Courier"/>
+                <a:cs typeface="Courier"/>
+              </a:rPr>
+              <a:t> from any to $me 	port $</a:t>
+            </a:r>
+            <a:r>
+              <a:rPr lang="en-US" sz="1900" dirty="0" err="1">
+                <a:latin typeface="Courier"/>
+                <a:cs typeface="Courier"/>
+              </a:rPr>
+              <a:t>good_ports</a:t>
+            </a:r>
+            <a:br>
+              <a:rPr lang="en-US" sz="2800" dirty="0">
+                <a:latin typeface="Courier"/>
+                <a:cs typeface="Courier"/>
+              </a:rPr>
+            </a:br>
+            <a:br>
+              <a:rPr lang="en-US" dirty="0"/>
+            </a:br>
+            <a:br>
+              <a:rPr lang="en-US" dirty="0"/>
+            </a:br>
+            <a:r>
+              <a:rPr lang="en-US" dirty="0"/>
+              <a:t>##This is sufficient to allow any communication that the server initiates (pass out all), allow all incoming </a:t>
+            </a:r>
+            <a:r>
+              <a:rPr lang="en-US" dirty="0" err="1"/>
+              <a:t>tcp</a:t>
+            </a:r>
+            <a:r>
+              <a:rPr lang="en-US" dirty="0"/>
+              <a:t> traffic to the good ports and block all other incoming traffic. The “pass out all” is needed despite PF having an implicit pass rule. Removing it will mean traffic out will not match any rule but incoming replies to conversations initiated by the server will be matched against the “block in all” rule.</a:t>
+            </a:r>
+          </a:p>
+          <a:p>
+            <a:endParaRPr lang="en-US" dirty="0"/>
+          </a:p>
+        </p:txBody>
+      </p:sp>
+    </p:spTree>
+    <p:extLst>
+      <p:ext uri="{BB962C8B-B14F-4D97-AF65-F5344CB8AC3E}">
+        <p14:creationId xmlns:p14="http://schemas.microsoft.com/office/powerpoint/2010/main" val="1076474427"/>
+      </p:ext>
+    </p:extLst>
+  </p:cSld>
+  <p:clrMapOvr>
+    <a:masterClrMapping/>
+  </p:clrMapOvr>
+</p:sld>
+</file>
+
+<file path=ppt/slides/slide17.xml><?xml version="1.0" encoding="utf-8"?>
+<p:sld xmlns:a="http://schemas.openxmlformats.org/drawingml/2006/main" xmlns:r="http://schemas.openxmlformats.org/officeDocument/2006/relationships" xmlns:p="http://schemas.openxmlformats.org/presentationml/2006/main">
+  <p:cSld>
+    <p:spTree>
+      <p:nvGrpSpPr>
+        <p:cNvPr id="1" name=""/>
+        <p:cNvGrpSpPr/>
+        <p:nvPr/>
+      </p:nvGrpSpPr>
+      <p:grpSpPr>
+        <a:xfrm>
+          <a:off x="0" y="0"/>
+          <a:ext cx="0" cy="0"/>
+          <a:chOff x="0" y="0"/>
+          <a:chExt cx="0" cy="0"/>
+        </a:xfrm>
+      </p:grpSpPr>
+      <p:sp>
+        <p:nvSpPr>
           <p:cNvPr id="2" name="Title 1"/>
           <p:cNvSpPr>
             <a:spLocks noGrp="1"/>
@@ -3459,7 +4541,9 @@
         </p:nvSpPr>
         <p:spPr/>
         <p:txBody>
-          <a:bodyPr/>
+          <a:bodyPr>
+            <a:normAutofit lnSpcReduction="10000"/>
+          </a:bodyPr>
           <a:lstStyle/>
           <a:p>
             <a:r>
@@ -3499,6 +4583,18 @@
               <a:rPr lang="en-US" dirty="0"/>
               <a:t> </a:t>
             </a:r>
+          </a:p>
+          <a:p>
+            <a:r>
+              <a:rPr lang="en-US" dirty="0">
+                <a:hlinkClick r:id="rId6"/>
+              </a:rPr>
+              <a:t>http://www.informit.com/articles/article.aspx?p=421057&amp;seqNum=4</a:t>
+            </a:r>
+            <a:endParaRPr lang="en-US" dirty="0"/>
+          </a:p>
+          <a:p>
+            <a:endParaRPr lang="en-US" dirty="0"/>
           </a:p>
           <a:p>
             <a:endParaRPr lang="en-US" dirty="0"/>

--- a/firewalls/Firewalls_2019.pptx
+++ b/firewalls/Firewalls_2019.pptx
@@ -20,8 +20,19 @@
     <p:sldId id="300" r:id="rId14"/>
     <p:sldId id="301" r:id="rId15"/>
     <p:sldId id="302" r:id="rId16"/>
-    <p:sldId id="303" r:id="rId17"/>
-    <p:sldId id="279" r:id="rId18"/>
+    <p:sldId id="304" r:id="rId17"/>
+    <p:sldId id="261" r:id="rId18"/>
+    <p:sldId id="262" r:id="rId19"/>
+    <p:sldId id="263" r:id="rId20"/>
+    <p:sldId id="264" r:id="rId21"/>
+    <p:sldId id="265" r:id="rId22"/>
+    <p:sldId id="266" r:id="rId23"/>
+    <p:sldId id="267" r:id="rId24"/>
+    <p:sldId id="268" r:id="rId25"/>
+    <p:sldId id="269" r:id="rId26"/>
+    <p:sldId id="270" r:id="rId27"/>
+    <p:sldId id="303" r:id="rId28"/>
+    <p:sldId id="279" r:id="rId29"/>
   </p:sldIdLst>
   <p:sldSz cx="9144000" cy="6858000" type="screen4x3"/>
   <p:notesSz cx="6858000" cy="9144000"/>
@@ -3930,7 +3941,7 @@
         </p:blipFill>
         <p:spPr>
           <a:xfrm>
-            <a:off x="583325" y="2802799"/>
+            <a:off x="220718" y="2818565"/>
             <a:ext cx="9144000" cy="1805453"/>
           </a:xfrm>
           <a:prstGeom prst="rect">
@@ -4279,13 +4290,7 @@
       </p:grpSpPr>
       <p:sp>
         <p:nvSpPr>
-          <p:cNvPr id="2" name="Title 1">
-            <a:extLst>
-              <a:ext uri="{FF2B5EF4-FFF2-40B4-BE49-F238E27FC236}">
-                <a16:creationId xmlns:a16="http://schemas.microsoft.com/office/drawing/2014/main" id="{E002F60E-7BCA-A341-9C10-705B8DF2F286}"/>
-              </a:ext>
-            </a:extLst>
-          </p:cNvPr>
+          <p:cNvPr id="2" name="Title 1"/>
           <p:cNvSpPr>
             <a:spLocks noGrp="1"/>
           </p:cNvSpPr>
@@ -4300,20 +4305,14 @@
           <a:p>
             <a:r>
               <a:rPr lang="en-US" b="1" dirty="0"/>
-              <a:t>Comparison with BSD firewall PF</a:t>
-            </a:r>
-          </a:p>
-        </p:txBody>
-      </p:sp>
-      <p:sp>
-        <p:nvSpPr>
-          <p:cNvPr id="3" name="Content Placeholder 2">
-            <a:extLst>
-              <a:ext uri="{FF2B5EF4-FFF2-40B4-BE49-F238E27FC236}">
-                <a16:creationId xmlns:a16="http://schemas.microsoft.com/office/drawing/2014/main" id="{2F6C1513-11B1-8B4B-9514-4DBD04AC79E5}"/>
-              </a:ext>
-            </a:extLst>
-          </p:cNvPr>
+              <a:t>FreeBSD Firewalls</a:t>
+            </a:r>
+          </a:p>
+        </p:txBody>
+      </p:sp>
+      <p:sp>
+        <p:nvSpPr>
+          <p:cNvPr id="3" name="Content Placeholder 2"/>
           <p:cNvSpPr>
             <a:spLocks noGrp="1"/>
           </p:cNvSpPr>
@@ -4321,166 +4320,93 @@
             <p:ph idx="1"/>
           </p:nvPr>
         </p:nvSpPr>
-        <p:spPr>
-          <a:xfrm>
-            <a:off x="283779" y="1417638"/>
-            <a:ext cx="8734097" cy="5156583"/>
-          </a:xfrm>
-        </p:spPr>
+        <p:spPr/>
         <p:txBody>
           <a:bodyPr>
-            <a:normAutofit fontScale="85000" lnSpcReduction="10000"/>
+            <a:normAutofit fontScale="92500" lnSpcReduction="20000"/>
           </a:bodyPr>
           <a:lstStyle/>
           <a:p>
-            <a:pPr marL="0" indent="0">
-              <a:buNone/>
-            </a:pPr>
-            <a:r>
-              <a:rPr lang="en-US" sz="1900" dirty="0" err="1">
-                <a:latin typeface="Courier"/>
-                <a:cs typeface="Courier"/>
-              </a:rPr>
-              <a:t>good_ports</a:t>
-            </a:r>
-            <a:r>
-              <a:rPr lang="en-US" sz="1900" dirty="0">
-                <a:latin typeface="Courier"/>
-                <a:cs typeface="Courier"/>
-              </a:rPr>
-              <a:t>=“{ 22, 443, 80 }”</a:t>
-            </a:r>
-            <a:br>
-              <a:rPr lang="en-US" sz="1900" dirty="0">
-                <a:latin typeface="Courier"/>
-                <a:cs typeface="Courier"/>
-              </a:rPr>
-            </a:br>
-            <a:r>
-              <a:rPr lang="en-US" sz="1900" dirty="0">
-                <a:latin typeface="Courier"/>
-                <a:cs typeface="Courier"/>
-              </a:rPr>
-              <a:t>me=“192.168.0.1”</a:t>
-            </a:r>
-            <a:br>
-              <a:rPr lang="en-US" sz="1900" dirty="0">
-                <a:latin typeface="Courier"/>
-                <a:cs typeface="Courier"/>
-              </a:rPr>
-            </a:br>
-            <a:r>
-              <a:rPr lang="en-US" sz="1900" dirty="0">
-                <a:latin typeface="Courier"/>
-                <a:cs typeface="Courier"/>
-              </a:rPr>
-              <a:t>set skip on lo0</a:t>
-            </a:r>
-          </a:p>
-          <a:p>
-            <a:pPr marL="0" indent="0">
-              <a:buNone/>
-            </a:pPr>
-            <a:r>
-              <a:rPr lang="en-US" sz="1900" dirty="0">
-                <a:latin typeface="Courier"/>
-                <a:cs typeface="Courier"/>
-              </a:rPr>
-              <a:t>block in all</a:t>
-            </a:r>
-          </a:p>
-          <a:p>
-            <a:pPr marL="0" indent="0">
-              <a:buNone/>
-            </a:pPr>
-            <a:r>
-              <a:rPr lang="en-US" sz="1900" dirty="0">
-                <a:latin typeface="Courier"/>
-                <a:cs typeface="Courier"/>
-              </a:rPr>
-              <a:t>pass out all </a:t>
-            </a:r>
-          </a:p>
-          <a:p>
-            <a:pPr marL="0" indent="0">
-              <a:buNone/>
-            </a:pPr>
-            <a:r>
-              <a:rPr lang="en-US" sz="1900" dirty="0">
-                <a:latin typeface="Courier"/>
-                <a:cs typeface="Courier"/>
-              </a:rPr>
-              <a:t>pass in on em0 </a:t>
-            </a:r>
-            <a:r>
-              <a:rPr lang="en-US" sz="1900" dirty="0" err="1">
-                <a:latin typeface="Courier"/>
-                <a:cs typeface="Courier"/>
-              </a:rPr>
-              <a:t>inet</a:t>
-            </a:r>
-            <a:r>
-              <a:rPr lang="en-US" sz="1900" dirty="0">
-                <a:latin typeface="Courier"/>
-                <a:cs typeface="Courier"/>
-              </a:rPr>
-              <a:t> proto </a:t>
-            </a:r>
-            <a:r>
-              <a:rPr lang="en-US" sz="1900" dirty="0" err="1">
-                <a:latin typeface="Courier"/>
-                <a:cs typeface="Courier"/>
-              </a:rPr>
-              <a:t>tcp</a:t>
-            </a:r>
-            <a:r>
-              <a:rPr lang="en-US" sz="1900" dirty="0">
-                <a:latin typeface="Courier"/>
-                <a:cs typeface="Courier"/>
-              </a:rPr>
-              <a:t> from any to $me 	port $</a:t>
-            </a:r>
-            <a:r>
-              <a:rPr lang="en-US" sz="1900" dirty="0" err="1">
-                <a:latin typeface="Courier"/>
-                <a:cs typeface="Courier"/>
-              </a:rPr>
-              <a:t>good_ports</a:t>
-            </a:r>
-            <a:br>
-              <a:rPr lang="en-US" sz="2800" dirty="0">
-                <a:latin typeface="Courier"/>
-                <a:cs typeface="Courier"/>
-              </a:rPr>
-            </a:br>
-            <a:br>
-              <a:rPr lang="en-US" dirty="0"/>
-            </a:br>
-            <a:br>
-              <a:rPr lang="en-US" dirty="0"/>
-            </a:br>
-            <a:r>
-              <a:rPr lang="en-US" dirty="0"/>
-              <a:t>##This is sufficient to allow any communication that the server initiates (pass out all), allow all incoming </a:t>
+            <a:r>
+              <a:rPr lang="en-US" dirty="0"/>
+              <a:t>FreeBSD ships with 3 Main firewalls:</a:t>
+            </a:r>
+          </a:p>
+          <a:p>
+            <a:pPr lvl="1"/>
+            <a:r>
+              <a:rPr lang="en-US" dirty="0"/>
+              <a:t>IPFW – IP </a:t>
             </a:r>
             <a:r>
               <a:rPr lang="en-US" dirty="0" err="1"/>
-              <a:t>tcp</a:t>
-            </a:r>
-            <a:r>
-              <a:rPr lang="en-US" dirty="0"/>
-              <a:t> traffic to the good ports and block all other incoming traffic. The “pass out all” is needed despite PF having an implicit pass rule. Removing it will mean traffic out will not match any rule but incoming replies to conversations initiated by the server will be matched against the “block in all” rule.</a:t>
-            </a:r>
-          </a:p>
-          <a:p>
-            <a:endParaRPr lang="en-US" dirty="0"/>
+              <a:t>FireWall</a:t>
+            </a:r>
+            <a:r>
+              <a:rPr lang="en-US" dirty="0"/>
+              <a:t> is (by default) a stateless firewall. FreeBSD sponsored firewall software application authored and maintained by FreeBSD volunteer staff members. </a:t>
+            </a:r>
+          </a:p>
+          <a:p>
+            <a:pPr lvl="1"/>
+            <a:r>
+              <a:rPr lang="en-US" dirty="0"/>
+              <a:t>IPF – IP Filter can be configured as </a:t>
+            </a:r>
+            <a:r>
+              <a:rPr lang="en-US" dirty="0" err="1"/>
+              <a:t>stateful</a:t>
+            </a:r>
+            <a:r>
+              <a:rPr lang="en-US" dirty="0"/>
+              <a:t> or stateless.  Open source application and has been ported to FreeBSD, </a:t>
+            </a:r>
+            <a:r>
+              <a:rPr lang="en-US" dirty="0" err="1"/>
+              <a:t>NetBSD</a:t>
+            </a:r>
+            <a:r>
+              <a:rPr lang="en-US" dirty="0"/>
+              <a:t>, </a:t>
+            </a:r>
+            <a:r>
+              <a:rPr lang="en-US" dirty="0" err="1"/>
+              <a:t>OpenBSD</a:t>
+            </a:r>
+            <a:r>
+              <a:rPr lang="en-US" dirty="0"/>
+              <a:t>, SunOS™, HP/UX, and Solaris™ operating systems. IPFILTER is actively being supported and maintained, with updated versions being released regularly.</a:t>
+            </a:r>
+          </a:p>
+          <a:p>
+            <a:pPr lvl="1"/>
+            <a:r>
+              <a:rPr lang="en-US" dirty="0"/>
+              <a:t>PF – Packet Filter can be configured as </a:t>
+            </a:r>
+            <a:r>
+              <a:rPr lang="en-US" dirty="0" err="1"/>
+              <a:t>stateful</a:t>
+            </a:r>
+            <a:r>
+              <a:rPr lang="en-US" dirty="0"/>
+              <a:t> or stateless. Maintained by </a:t>
+            </a:r>
+            <a:r>
+              <a:rPr lang="en-US" dirty="0" err="1"/>
+              <a:t>OpenBSD</a:t>
+            </a:r>
+            <a:r>
+              <a:rPr lang="en-US" dirty="0"/>
+              <a:t> Project</a:t>
+            </a:r>
           </a:p>
         </p:txBody>
       </p:sp>
     </p:spTree>
     <p:extLst>
       <p:ext uri="{BB962C8B-B14F-4D97-AF65-F5344CB8AC3E}">
-        <p14:creationId xmlns:p14="http://schemas.microsoft.com/office/powerpoint/2010/main" val="1076474427"/>
+        <p14:creationId xmlns:p14="http://schemas.microsoft.com/office/powerpoint/2010/main" val="4154163940"/>
       </p:ext>
     </p:extLst>
   </p:cSld>
@@ -4523,8 +4449,8 @@
           <a:lstStyle/>
           <a:p>
             <a:r>
-              <a:rPr lang="en-US" dirty="0"/>
-              <a:t>References and more reading</a:t>
+              <a:rPr lang="en-US" b="1" dirty="0"/>
+              <a:t>PF (Packet Filter)</a:t>
             </a:r>
           </a:p>
         </p:txBody>
@@ -4541,70 +4467,396 @@
         </p:nvSpPr>
         <p:spPr/>
         <p:txBody>
+          <a:bodyPr/>
+          <a:lstStyle/>
+          <a:p>
+            <a:r>
+              <a:rPr lang="en-US" dirty="0"/>
+              <a:t>Was initially developed for </a:t>
+            </a:r>
+            <a:r>
+              <a:rPr lang="en-US" dirty="0" err="1"/>
+              <a:t>OpenBSD</a:t>
+            </a:r>
+            <a:endParaRPr lang="en-US" dirty="0"/>
+          </a:p>
+          <a:p>
+            <a:r>
+              <a:rPr lang="en-US" dirty="0"/>
+              <a:t>Has been successfully ported to many other operating systems including all the other BSDs and Mac OS X</a:t>
+            </a:r>
+          </a:p>
+          <a:p>
+            <a:r>
+              <a:rPr lang="en-US" dirty="0"/>
+              <a:t>Written by Daniel </a:t>
+            </a:r>
+            <a:r>
+              <a:rPr lang="en-US" dirty="0" err="1"/>
+              <a:t>Hartmeier</a:t>
+            </a:r>
+            <a:endParaRPr lang="en-US" dirty="0"/>
+          </a:p>
+          <a:p>
+            <a:r>
+              <a:rPr lang="en-US" dirty="0"/>
+              <a:t>Derived its rule syntax from </a:t>
+            </a:r>
+            <a:r>
+              <a:rPr lang="en-US" dirty="0" err="1"/>
+              <a:t>IPFilter</a:t>
+            </a:r>
+            <a:endParaRPr lang="en-US" dirty="0"/>
+          </a:p>
+          <a:p>
+            <a:r>
+              <a:rPr lang="en-US" dirty="0"/>
+              <a:t>Has many features</a:t>
+            </a:r>
+          </a:p>
+        </p:txBody>
+      </p:sp>
+    </p:spTree>
+    <p:extLst>
+      <p:ext uri="{BB962C8B-B14F-4D97-AF65-F5344CB8AC3E}">
+        <p14:creationId xmlns:p14="http://schemas.microsoft.com/office/powerpoint/2010/main" val="868147155"/>
+      </p:ext>
+    </p:extLst>
+  </p:cSld>
+  <p:clrMapOvr>
+    <a:masterClrMapping/>
+  </p:clrMapOvr>
+</p:sld>
+</file>
+
+<file path=ppt/slides/slide18.xml><?xml version="1.0" encoding="utf-8"?>
+<p:sld xmlns:a="http://schemas.openxmlformats.org/drawingml/2006/main" xmlns:r="http://schemas.openxmlformats.org/officeDocument/2006/relationships" xmlns:p="http://schemas.openxmlformats.org/presentationml/2006/main">
+  <p:cSld>
+    <p:spTree>
+      <p:nvGrpSpPr>
+        <p:cNvPr id="1" name=""/>
+        <p:cNvGrpSpPr/>
+        <p:nvPr/>
+      </p:nvGrpSpPr>
+      <p:grpSpPr>
+        <a:xfrm>
+          <a:off x="0" y="0"/>
+          <a:ext cx="0" cy="0"/>
+          <a:chOff x="0" y="0"/>
+          <a:chExt cx="0" cy="0"/>
+        </a:xfrm>
+      </p:grpSpPr>
+      <p:sp>
+        <p:nvSpPr>
+          <p:cNvPr id="2" name="Title 1"/>
+          <p:cNvSpPr>
+            <a:spLocks noGrp="1"/>
+          </p:cNvSpPr>
+          <p:nvPr>
+            <p:ph type="title"/>
+          </p:nvPr>
+        </p:nvSpPr>
+        <p:spPr/>
+        <p:txBody>
+          <a:bodyPr/>
+          <a:lstStyle/>
+          <a:p>
+            <a:r>
+              <a:rPr lang="en-US" b="1" dirty="0"/>
+              <a:t>Features</a:t>
+            </a:r>
+          </a:p>
+        </p:txBody>
+      </p:sp>
+      <p:sp>
+        <p:nvSpPr>
+          <p:cNvPr id="3" name="Content Placeholder 2"/>
+          <p:cNvSpPr>
+            <a:spLocks noGrp="1"/>
+          </p:cNvSpPr>
+          <p:nvPr>
+            <p:ph idx="1"/>
+          </p:nvPr>
+        </p:nvSpPr>
+        <p:spPr>
+          <a:xfrm>
+            <a:off x="457200" y="1417638"/>
+            <a:ext cx="8229600" cy="4708525"/>
+          </a:xfrm>
+        </p:spPr>
+        <p:txBody>
           <a:bodyPr>
-            <a:normAutofit lnSpcReduction="10000"/>
+            <a:normAutofit fontScale="85000" lnSpcReduction="20000"/>
           </a:bodyPr>
           <a:lstStyle/>
           <a:p>
             <a:r>
-              <a:rPr lang="en-US" dirty="0">
-                <a:hlinkClick r:id="rId2"/>
-              </a:rPr>
-              <a:t>http://en.wikipedia.org/wiki/PF_%28firewall%29</a:t>
+              <a:rPr lang="en-US" dirty="0"/>
+              <a:t>Can do both stateless or state-full firewalling</a:t>
+            </a:r>
+          </a:p>
+          <a:p>
+            <a:r>
+              <a:rPr lang="en-US" dirty="0"/>
+              <a:t>Can do Network Address Translation</a:t>
+            </a:r>
+          </a:p>
+          <a:p>
+            <a:pPr lvl="1"/>
+            <a:r>
+              <a:rPr lang="en-US" dirty="0"/>
+              <a:t>Additionally can do Bidirectional NAT aka One to One NAT</a:t>
+            </a:r>
+          </a:p>
+          <a:p>
+            <a:r>
+              <a:rPr lang="en-US" dirty="0"/>
+              <a:t>Combined with ALTQ (</a:t>
+            </a:r>
+            <a:r>
+              <a:rPr lang="en-US" dirty="0" err="1"/>
+              <a:t>ALTernate</a:t>
+            </a:r>
+            <a:r>
+              <a:rPr lang="en-US" dirty="0"/>
+              <a:t> </a:t>
+            </a:r>
+            <a:r>
+              <a:rPr lang="en-US" dirty="0" err="1"/>
+              <a:t>Queueing</a:t>
+            </a:r>
+            <a:r>
+              <a:rPr lang="en-US" dirty="0"/>
+              <a:t> framework for BSD) can perform </a:t>
+            </a:r>
+            <a:r>
+              <a:rPr lang="en-US" dirty="0" err="1"/>
+              <a:t>QoS</a:t>
             </a:r>
             <a:endParaRPr lang="en-US" dirty="0"/>
           </a:p>
           <a:p>
-            <a:r>
-              <a:rPr lang="en-US" dirty="0">
-                <a:hlinkClick r:id="rId3"/>
-              </a:rPr>
-              <a:t>http://www.openbsd.org/faq/pf/filter.html</a:t>
-            </a:r>
+            <a:pPr lvl="1"/>
+            <a:r>
+              <a:rPr lang="en-US" dirty="0"/>
+              <a:t>Priority queuing – assign certain traffic a higher priority than others before forwarding</a:t>
+            </a:r>
+          </a:p>
+          <a:p>
+            <a:pPr lvl="1"/>
+            <a:r>
+              <a:rPr lang="en-US" dirty="0"/>
+              <a:t>Class Based Queuing – assigning bandwidth to certain queues and reducing bandwidth for others</a:t>
+            </a:r>
+          </a:p>
+          <a:p>
+            <a:r>
+              <a:rPr lang="en-US" dirty="0"/>
+              <a:t>Can be configured for automatic fail-over between 2 boxes using CARP – Common Address Redundancy Protocol</a:t>
+            </a:r>
+          </a:p>
+          <a:p>
+            <a:pPr lvl="1"/>
             <a:endParaRPr lang="en-US" dirty="0"/>
           </a:p>
           <a:p>
-            <a:r>
-              <a:rPr lang="en-US" dirty="0">
-                <a:hlinkClick r:id="rId4"/>
-              </a:rPr>
-              <a:t>http://www.freebsd.org/doc/en_US.ISO8859-1/books/handbook/firewalls-pf.html</a:t>
-            </a:r>
             <a:endParaRPr lang="en-US" dirty="0"/>
           </a:p>
-          <a:p>
-            <a:r>
-              <a:rPr lang="en-US" dirty="0">
-                <a:hlinkClick r:id="rId5"/>
-              </a:rPr>
-              <a:t>http://en.wikipedia.org/wiki/Firewall_%28computing%29</a:t>
-            </a:r>
-            <a:r>
-              <a:rPr lang="en-US" dirty="0"/>
-              <a:t> </a:t>
-            </a:r>
-          </a:p>
-          <a:p>
-            <a:r>
-              <a:rPr lang="en-US" dirty="0">
-                <a:hlinkClick r:id="rId6"/>
-              </a:rPr>
-              <a:t>http://www.informit.com/articles/article.aspx?p=421057&amp;seqNum=4</a:t>
+        </p:txBody>
+      </p:sp>
+    </p:spTree>
+    <p:extLst>
+      <p:ext uri="{BB962C8B-B14F-4D97-AF65-F5344CB8AC3E}">
+        <p14:creationId xmlns:p14="http://schemas.microsoft.com/office/powerpoint/2010/main" val="235845659"/>
+      </p:ext>
+    </p:extLst>
+  </p:cSld>
+  <p:clrMapOvr>
+    <a:masterClrMapping/>
+  </p:clrMapOvr>
+</p:sld>
+</file>
+
+<file path=ppt/slides/slide19.xml><?xml version="1.0" encoding="utf-8"?>
+<p:sld xmlns:a="http://schemas.openxmlformats.org/drawingml/2006/main" xmlns:r="http://schemas.openxmlformats.org/officeDocument/2006/relationships" xmlns:p="http://schemas.openxmlformats.org/presentationml/2006/main">
+  <p:cSld>
+    <p:spTree>
+      <p:nvGrpSpPr>
+        <p:cNvPr id="1" name=""/>
+        <p:cNvGrpSpPr/>
+        <p:nvPr/>
+      </p:nvGrpSpPr>
+      <p:grpSpPr>
+        <a:xfrm>
+          <a:off x="0" y="0"/>
+          <a:ext cx="0" cy="0"/>
+          <a:chOff x="0" y="0"/>
+          <a:chExt cx="0" cy="0"/>
+        </a:xfrm>
+      </p:grpSpPr>
+      <p:sp>
+        <p:nvSpPr>
+          <p:cNvPr id="2" name="Title 1"/>
+          <p:cNvSpPr>
+            <a:spLocks noGrp="1"/>
+          </p:cNvSpPr>
+          <p:nvPr>
+            <p:ph type="title"/>
+          </p:nvPr>
+        </p:nvSpPr>
+        <p:spPr/>
+        <p:txBody>
+          <a:bodyPr/>
+          <a:lstStyle/>
+          <a:p>
+            <a:r>
+              <a:rPr lang="en-US" b="1" dirty="0"/>
+              <a:t>Features cont’d</a:t>
+            </a:r>
+          </a:p>
+        </p:txBody>
+      </p:sp>
+      <p:sp>
+        <p:nvSpPr>
+          <p:cNvPr id="3" name="Content Placeholder 2"/>
+          <p:cNvSpPr>
+            <a:spLocks noGrp="1"/>
+          </p:cNvSpPr>
+          <p:nvPr>
+            <p:ph idx="1"/>
+          </p:nvPr>
+        </p:nvSpPr>
+        <p:spPr/>
+        <p:txBody>
+          <a:bodyPr>
+            <a:normAutofit fontScale="85000" lnSpcReduction="20000"/>
+          </a:bodyPr>
+          <a:lstStyle/>
+          <a:p>
+            <a:r>
+              <a:rPr lang="en-US" dirty="0"/>
+              <a:t>FTP-proxy integration to handle FTP firewalling</a:t>
+            </a:r>
+          </a:p>
+          <a:p>
+            <a:r>
+              <a:rPr lang="en-US" dirty="0"/>
+              <a:t>Configurable logging per rule to </a:t>
+            </a:r>
+            <a:r>
+              <a:rPr lang="en-US" dirty="0" err="1"/>
+              <a:t>pflogd</a:t>
             </a:r>
             <a:endParaRPr lang="en-US" dirty="0"/>
           </a:p>
           <a:p>
+            <a:pPr lvl="1"/>
+            <a:r>
+              <a:rPr lang="en-US" dirty="0"/>
+              <a:t>Logs can be further monitored with </a:t>
+            </a:r>
+            <a:r>
+              <a:rPr lang="en-US" dirty="0" err="1"/>
+              <a:t>tcpdump</a:t>
+            </a:r>
             <a:endParaRPr lang="en-US" dirty="0"/>
           </a:p>
           <a:p>
+            <a:r>
+              <a:rPr lang="en-US" dirty="0"/>
+              <a:t>Simple IP Filter rule syntax</a:t>
+            </a:r>
+          </a:p>
+          <a:p>
+            <a:pPr lvl="1"/>
+            <a:r>
+              <a:rPr lang="en-US" dirty="0" err="1"/>
+              <a:t>Eg</a:t>
+            </a:r>
+            <a:r>
+              <a:rPr lang="en-US" dirty="0"/>
+              <a:t>: </a:t>
+            </a:r>
+            <a:r>
+              <a:rPr lang="en-US" i="1" dirty="0"/>
+              <a:t>pass in quick on em0 </a:t>
+            </a:r>
+            <a:r>
+              <a:rPr lang="en-US" i="1" dirty="0" err="1"/>
+              <a:t>inet</a:t>
+            </a:r>
+            <a:r>
+              <a:rPr lang="en-US" i="1" dirty="0"/>
+              <a:t> proto </a:t>
+            </a:r>
+            <a:r>
+              <a:rPr lang="en-US" i="1" dirty="0" err="1"/>
+              <a:t>tcp</a:t>
+            </a:r>
+            <a:r>
+              <a:rPr lang="en-US" i="1" dirty="0"/>
+              <a:t> all</a:t>
+            </a:r>
             <a:endParaRPr lang="en-US" dirty="0"/>
           </a:p>
           <a:p>
+            <a:r>
+              <a:rPr lang="en-US" dirty="0"/>
+              <a:t>Macro definition – to simplify rule creation</a:t>
+            </a:r>
+          </a:p>
+          <a:p>
+            <a:pPr lvl="1"/>
+            <a:r>
+              <a:rPr lang="en-US" dirty="0" err="1"/>
+              <a:t>Eg</a:t>
+            </a:r>
+            <a:r>
+              <a:rPr lang="en-US" dirty="0"/>
+              <a:t> identify an interface as “LAN” instead of “em0”</a:t>
+            </a:r>
+          </a:p>
+          <a:p>
+            <a:r>
+              <a:rPr lang="en-US" dirty="0"/>
+              <a:t>Support for transparent </a:t>
+            </a:r>
+            <a:r>
+              <a:rPr lang="en-US" dirty="0" err="1"/>
+              <a:t>proxying</a:t>
+            </a:r>
+            <a:r>
+              <a:rPr lang="en-US" dirty="0"/>
+              <a:t> with SQUID</a:t>
+            </a:r>
+          </a:p>
+          <a:p>
+            <a:pPr lvl="1"/>
+            <a:r>
+              <a:rPr lang="en-US" dirty="0"/>
+              <a:t>Redirect all traffic destined for a port 80 to the Squid port 8080 for Squid to process</a:t>
+            </a:r>
+          </a:p>
+          <a:p>
+            <a:r>
+              <a:rPr lang="en-US" dirty="0"/>
+              <a:t>Among many others</a:t>
+            </a:r>
+          </a:p>
+          <a:p>
             <a:endParaRPr lang="en-US" dirty="0"/>
           </a:p>
+          <a:p>
+            <a:endParaRPr lang="en-US" dirty="0"/>
+          </a:p>
         </p:txBody>
       </p:sp>
     </p:spTree>
+    <p:extLst>
+      <p:ext uri="{BB962C8B-B14F-4D97-AF65-F5344CB8AC3E}">
+        <p14:creationId xmlns:p14="http://schemas.microsoft.com/office/powerpoint/2010/main" val="2483952886"/>
+      </p:ext>
+    </p:extLst>
   </p:cSld>
   <p:clrMapOvr>
     <a:masterClrMapping/>
@@ -4712,6 +4964,1736 @@
               <a:rPr lang="en-US" dirty="0"/>
               <a:t>On network hardware appliances</a:t>
             </a:r>
+          </a:p>
+        </p:txBody>
+      </p:sp>
+    </p:spTree>
+  </p:cSld>
+  <p:clrMapOvr>
+    <a:masterClrMapping/>
+  </p:clrMapOvr>
+</p:sld>
+</file>
+
+<file path=ppt/slides/slide20.xml><?xml version="1.0" encoding="utf-8"?>
+<p:sld xmlns:a="http://schemas.openxmlformats.org/drawingml/2006/main" xmlns:r="http://schemas.openxmlformats.org/officeDocument/2006/relationships" xmlns:p="http://schemas.openxmlformats.org/presentationml/2006/main">
+  <p:cSld>
+    <p:spTree>
+      <p:nvGrpSpPr>
+        <p:cNvPr id="1" name=""/>
+        <p:cNvGrpSpPr/>
+        <p:nvPr/>
+      </p:nvGrpSpPr>
+      <p:grpSpPr>
+        <a:xfrm>
+          <a:off x="0" y="0"/>
+          <a:ext cx="0" cy="0"/>
+          <a:chOff x="0" y="0"/>
+          <a:chExt cx="0" cy="0"/>
+        </a:xfrm>
+      </p:grpSpPr>
+      <p:sp>
+        <p:nvSpPr>
+          <p:cNvPr id="2" name="Title 1"/>
+          <p:cNvSpPr>
+            <a:spLocks noGrp="1"/>
+          </p:cNvSpPr>
+          <p:nvPr>
+            <p:ph type="title"/>
+          </p:nvPr>
+        </p:nvSpPr>
+        <p:spPr>
+          <a:xfrm>
+            <a:off x="457200" y="274638"/>
+            <a:ext cx="8229600" cy="817562"/>
+          </a:xfrm>
+        </p:spPr>
+        <p:txBody>
+          <a:bodyPr/>
+          <a:lstStyle/>
+          <a:p>
+            <a:r>
+              <a:rPr lang="en-US" b="1" dirty="0"/>
+              <a:t>Working with PF</a:t>
+            </a:r>
+          </a:p>
+        </p:txBody>
+      </p:sp>
+      <p:sp>
+        <p:nvSpPr>
+          <p:cNvPr id="3" name="Content Placeholder 2"/>
+          <p:cNvSpPr>
+            <a:spLocks noGrp="1"/>
+          </p:cNvSpPr>
+          <p:nvPr>
+            <p:ph idx="1"/>
+          </p:nvPr>
+        </p:nvSpPr>
+        <p:spPr>
+          <a:xfrm>
+            <a:off x="457200" y="1600200"/>
+            <a:ext cx="8229600" cy="4525963"/>
+          </a:xfrm>
+        </p:spPr>
+        <p:txBody>
+          <a:bodyPr>
+            <a:normAutofit fontScale="85000" lnSpcReduction="20000"/>
+          </a:bodyPr>
+          <a:lstStyle/>
+          <a:p>
+            <a:r>
+              <a:rPr lang="en-US" dirty="0"/>
+              <a:t>Installed by default on FreeBSD since FreeBSD 5.3 but is disabled</a:t>
+            </a:r>
+          </a:p>
+          <a:p>
+            <a:r>
+              <a:rPr lang="en-US" dirty="0"/>
+              <a:t>Can start in from boot by adding the following to /etc/</a:t>
+            </a:r>
+            <a:r>
+              <a:rPr lang="en-US" dirty="0" err="1"/>
+              <a:t>rc.conf</a:t>
+            </a:r>
+            <a:r>
+              <a:rPr lang="en-US" dirty="0"/>
+              <a:t>: </a:t>
+            </a:r>
+            <a:r>
+              <a:rPr lang="en-US" b="1" i="1" dirty="0" err="1"/>
+              <a:t>pf_enable</a:t>
+            </a:r>
+            <a:r>
+              <a:rPr lang="en-US" b="1" i="1" dirty="0"/>
+              <a:t>=YES</a:t>
+            </a:r>
+          </a:p>
+          <a:p>
+            <a:pPr lvl="1"/>
+            <a:r>
+              <a:rPr lang="en-US" dirty="0"/>
+              <a:t>Or by </a:t>
+            </a:r>
+            <a:r>
+              <a:rPr lang="en-US" b="1" i="1" dirty="0" err="1"/>
+              <a:t>kldload</a:t>
+            </a:r>
+            <a:r>
+              <a:rPr lang="en-US" b="1" i="1" dirty="0"/>
+              <a:t> </a:t>
+            </a:r>
+            <a:r>
+              <a:rPr lang="en-US" b="1" i="1" dirty="0" err="1"/>
+              <a:t>pf.ko</a:t>
+            </a:r>
+            <a:endParaRPr lang="en-US" b="1" i="1" dirty="0"/>
+          </a:p>
+          <a:p>
+            <a:r>
+              <a:rPr lang="en-US" dirty="0"/>
+              <a:t>Start it by doing</a:t>
+            </a:r>
+          </a:p>
+          <a:p>
+            <a:pPr lvl="1"/>
+            <a:r>
+              <a:rPr lang="en-US" b="1" i="1" dirty="0"/>
+              <a:t>/etc/</a:t>
+            </a:r>
+            <a:r>
+              <a:rPr lang="en-US" b="1" i="1" dirty="0" err="1"/>
+              <a:t>rc.d/pf</a:t>
+            </a:r>
+            <a:r>
+              <a:rPr lang="en-US" b="1" i="1" dirty="0"/>
+              <a:t> start </a:t>
+            </a:r>
+            <a:r>
+              <a:rPr lang="en-US" dirty="0"/>
+              <a:t>OR </a:t>
+            </a:r>
+            <a:r>
+              <a:rPr lang="en-US" b="1" i="1" dirty="0" err="1"/>
+              <a:t>pfctl</a:t>
+            </a:r>
+            <a:r>
+              <a:rPr lang="en-US" b="1" i="1" dirty="0"/>
+              <a:t> –</a:t>
+            </a:r>
+            <a:r>
+              <a:rPr lang="en-US" b="1" i="1" dirty="0" err="1"/>
+              <a:t>e</a:t>
+            </a:r>
+            <a:endParaRPr lang="en-US" b="1" i="1" dirty="0"/>
+          </a:p>
+          <a:p>
+            <a:r>
+              <a:rPr lang="en-US" dirty="0"/>
+              <a:t>You may want to compile </a:t>
+            </a:r>
+            <a:r>
+              <a:rPr lang="en-US" dirty="0" err="1"/>
+              <a:t>pf</a:t>
+            </a:r>
+            <a:r>
+              <a:rPr lang="en-US" dirty="0"/>
+              <a:t> support into the kernel to enable:</a:t>
+            </a:r>
+          </a:p>
+          <a:p>
+            <a:pPr lvl="1"/>
+            <a:r>
+              <a:rPr lang="en-US" dirty="0" err="1"/>
+              <a:t>Pfsync</a:t>
+            </a:r>
+            <a:r>
+              <a:rPr lang="en-US" dirty="0"/>
+              <a:t> </a:t>
+            </a:r>
+            <a:r>
+              <a:rPr lang="en-US" dirty="0" err="1"/>
+              <a:t>seudo</a:t>
+            </a:r>
+            <a:r>
+              <a:rPr lang="en-US" dirty="0"/>
+              <a:t> device</a:t>
+            </a:r>
+          </a:p>
+          <a:p>
+            <a:pPr lvl="1"/>
+            <a:r>
+              <a:rPr lang="en-US" dirty="0"/>
+              <a:t>CARP for automatic failover</a:t>
+            </a:r>
+          </a:p>
+          <a:p>
+            <a:pPr lvl="1"/>
+            <a:r>
+              <a:rPr lang="en-US" dirty="0"/>
+              <a:t>ALTQ – for prioritization, bandwidth throttling</a:t>
+            </a:r>
+          </a:p>
+          <a:p>
+            <a:endParaRPr lang="en-US" dirty="0"/>
+          </a:p>
+        </p:txBody>
+      </p:sp>
+    </p:spTree>
+    <p:extLst>
+      <p:ext uri="{BB962C8B-B14F-4D97-AF65-F5344CB8AC3E}">
+        <p14:creationId xmlns:p14="http://schemas.microsoft.com/office/powerpoint/2010/main" val="110997485"/>
+      </p:ext>
+    </p:extLst>
+  </p:cSld>
+  <p:clrMapOvr>
+    <a:masterClrMapping/>
+  </p:clrMapOvr>
+</p:sld>
+</file>
+
+<file path=ppt/slides/slide21.xml><?xml version="1.0" encoding="utf-8"?>
+<p:sld xmlns:a="http://schemas.openxmlformats.org/drawingml/2006/main" xmlns:r="http://schemas.openxmlformats.org/officeDocument/2006/relationships" xmlns:p="http://schemas.openxmlformats.org/presentationml/2006/main">
+  <p:cSld>
+    <p:spTree>
+      <p:nvGrpSpPr>
+        <p:cNvPr id="1" name=""/>
+        <p:cNvGrpSpPr/>
+        <p:nvPr/>
+      </p:nvGrpSpPr>
+      <p:grpSpPr>
+        <a:xfrm>
+          <a:off x="0" y="0"/>
+          <a:ext cx="0" cy="0"/>
+          <a:chOff x="0" y="0"/>
+          <a:chExt cx="0" cy="0"/>
+        </a:xfrm>
+      </p:grpSpPr>
+      <p:sp>
+        <p:nvSpPr>
+          <p:cNvPr id="2" name="Title 1"/>
+          <p:cNvSpPr>
+            <a:spLocks noGrp="1"/>
+          </p:cNvSpPr>
+          <p:nvPr>
+            <p:ph type="title"/>
+          </p:nvPr>
+        </p:nvSpPr>
+        <p:spPr/>
+        <p:txBody>
+          <a:bodyPr/>
+          <a:lstStyle/>
+          <a:p>
+            <a:r>
+              <a:rPr lang="en-US" b="1" dirty="0"/>
+              <a:t>Options in </a:t>
+            </a:r>
+            <a:r>
+              <a:rPr lang="en-US" b="1" dirty="0" err="1"/>
+              <a:t>rc.conf</a:t>
+            </a:r>
+            <a:endParaRPr lang="en-US" b="1" dirty="0"/>
+          </a:p>
+        </p:txBody>
+      </p:sp>
+      <p:sp>
+        <p:nvSpPr>
+          <p:cNvPr id="3" name="Content Placeholder 2"/>
+          <p:cNvSpPr>
+            <a:spLocks noGrp="1"/>
+          </p:cNvSpPr>
+          <p:nvPr>
+            <p:ph idx="1"/>
+          </p:nvPr>
+        </p:nvSpPr>
+        <p:spPr/>
+        <p:txBody>
+          <a:bodyPr>
+            <a:normAutofit fontScale="85000" lnSpcReduction="10000"/>
+          </a:bodyPr>
+          <a:lstStyle/>
+          <a:p>
+            <a:r>
+              <a:rPr lang="en-US" b="1" dirty="0" err="1"/>
+              <a:t>pf_enable</a:t>
+            </a:r>
+            <a:r>
+              <a:rPr lang="en-US" b="1" dirty="0"/>
+              <a:t>="YES</a:t>
+            </a:r>
+            <a:r>
+              <a:rPr lang="en-US" dirty="0"/>
+              <a:t>" # Enable PF (load module if required) </a:t>
+            </a:r>
+          </a:p>
+          <a:p>
+            <a:r>
+              <a:rPr lang="en-US" b="1" dirty="0" err="1"/>
+              <a:t>pf_rules</a:t>
+            </a:r>
+            <a:r>
+              <a:rPr lang="en-US" b="1" dirty="0"/>
+              <a:t>="/etc/</a:t>
+            </a:r>
+            <a:r>
+              <a:rPr lang="en-US" b="1" dirty="0" err="1"/>
+              <a:t>pf.conf</a:t>
+            </a:r>
+            <a:r>
+              <a:rPr lang="en-US" b="1" dirty="0"/>
+              <a:t>" </a:t>
+            </a:r>
+            <a:r>
+              <a:rPr lang="en-US" dirty="0"/>
+              <a:t># rules definition file for </a:t>
+            </a:r>
+            <a:r>
+              <a:rPr lang="en-US" dirty="0" err="1"/>
+              <a:t>pf</a:t>
+            </a:r>
+            <a:r>
+              <a:rPr lang="en-US" dirty="0"/>
+              <a:t> </a:t>
+            </a:r>
+          </a:p>
+          <a:p>
+            <a:r>
+              <a:rPr lang="en-US" b="1" dirty="0" err="1"/>
+              <a:t>pf_flags</a:t>
+            </a:r>
+            <a:r>
+              <a:rPr lang="en-US" b="1" dirty="0"/>
+              <a:t>=""</a:t>
+            </a:r>
+            <a:r>
+              <a:rPr lang="en-US" dirty="0"/>
+              <a:t> # additional flags for </a:t>
+            </a:r>
+            <a:r>
+              <a:rPr lang="en-US" dirty="0" err="1"/>
+              <a:t>pfctl</a:t>
+            </a:r>
+            <a:r>
+              <a:rPr lang="en-US" dirty="0"/>
+              <a:t> startup</a:t>
+            </a:r>
+          </a:p>
+          <a:p>
+            <a:r>
+              <a:rPr lang="en-US" b="1" dirty="0" err="1"/>
+              <a:t>pflog_enable</a:t>
+            </a:r>
+            <a:r>
+              <a:rPr lang="en-US" b="1" dirty="0"/>
+              <a:t>="YES" </a:t>
+            </a:r>
+            <a:r>
+              <a:rPr lang="en-US" dirty="0"/>
+              <a:t># start pflogd(8)</a:t>
+            </a:r>
+          </a:p>
+          <a:p>
+            <a:r>
+              <a:rPr lang="en-US" b="1" dirty="0" err="1"/>
+              <a:t>pflog_logfile</a:t>
+            </a:r>
+            <a:r>
+              <a:rPr lang="en-US" b="1" dirty="0"/>
+              <a:t>="/</a:t>
+            </a:r>
+            <a:r>
+              <a:rPr lang="en-US" b="1" dirty="0" err="1"/>
+              <a:t>var/log/pflog</a:t>
+            </a:r>
+            <a:r>
+              <a:rPr lang="en-US" b="1" dirty="0"/>
+              <a:t>" </a:t>
+            </a:r>
+            <a:r>
+              <a:rPr lang="en-US" dirty="0"/>
+              <a:t># where </a:t>
+            </a:r>
+            <a:r>
+              <a:rPr lang="en-US" dirty="0" err="1"/>
+              <a:t>pflogd</a:t>
+            </a:r>
+            <a:r>
+              <a:rPr lang="en-US" dirty="0"/>
+              <a:t> should store the </a:t>
+            </a:r>
+            <a:r>
+              <a:rPr lang="en-US" dirty="0" err="1"/>
+              <a:t>logfile</a:t>
+            </a:r>
+            <a:r>
+              <a:rPr lang="en-US" dirty="0"/>
+              <a:t> </a:t>
+            </a:r>
+          </a:p>
+          <a:p>
+            <a:r>
+              <a:rPr lang="en-US" b="1" dirty="0" err="1"/>
+              <a:t>pflog_flags</a:t>
+            </a:r>
+            <a:r>
+              <a:rPr lang="en-US" b="1" dirty="0"/>
+              <a:t>=""</a:t>
+            </a:r>
+            <a:r>
+              <a:rPr lang="en-US" dirty="0"/>
+              <a:t> # additional flags for </a:t>
+            </a:r>
+            <a:r>
+              <a:rPr lang="en-US" dirty="0" err="1"/>
+              <a:t>pflogd</a:t>
+            </a:r>
+            <a:r>
+              <a:rPr lang="en-US" dirty="0"/>
+              <a:t> startup</a:t>
+            </a:r>
+          </a:p>
+          <a:p>
+            <a:r>
+              <a:rPr lang="en-US" dirty="0"/>
+              <a:t>You will also want to enable packet forwarding between interfaces and this can be done by</a:t>
+            </a:r>
+          </a:p>
+          <a:p>
+            <a:pPr lvl="1"/>
+            <a:r>
+              <a:rPr lang="en-US" b="1" dirty="0" err="1"/>
+              <a:t>gateway_enable</a:t>
+            </a:r>
+            <a:r>
+              <a:rPr lang="en-US" b="1" dirty="0"/>
+              <a:t>=“YES” </a:t>
+            </a:r>
+            <a:r>
+              <a:rPr lang="en-US" dirty="0"/>
+              <a:t>in /etc/</a:t>
+            </a:r>
+            <a:r>
+              <a:rPr lang="en-US" dirty="0" err="1"/>
+              <a:t>rc.conf</a:t>
+            </a:r>
+            <a:endParaRPr lang="en-US" b="1" dirty="0"/>
+          </a:p>
+        </p:txBody>
+      </p:sp>
+    </p:spTree>
+    <p:extLst>
+      <p:ext uri="{BB962C8B-B14F-4D97-AF65-F5344CB8AC3E}">
+        <p14:creationId xmlns:p14="http://schemas.microsoft.com/office/powerpoint/2010/main" val="2061563130"/>
+      </p:ext>
+    </p:extLst>
+  </p:cSld>
+  <p:clrMapOvr>
+    <a:masterClrMapping/>
+  </p:clrMapOvr>
+</p:sld>
+</file>
+
+<file path=ppt/slides/slide22.xml><?xml version="1.0" encoding="utf-8"?>
+<p:sld xmlns:a="http://schemas.openxmlformats.org/drawingml/2006/main" xmlns:r="http://schemas.openxmlformats.org/officeDocument/2006/relationships" xmlns:p="http://schemas.openxmlformats.org/presentationml/2006/main">
+  <p:cSld>
+    <p:spTree>
+      <p:nvGrpSpPr>
+        <p:cNvPr id="1" name=""/>
+        <p:cNvGrpSpPr/>
+        <p:nvPr/>
+      </p:nvGrpSpPr>
+      <p:grpSpPr>
+        <a:xfrm>
+          <a:off x="0" y="0"/>
+          <a:ext cx="0" cy="0"/>
+          <a:chOff x="0" y="0"/>
+          <a:chExt cx="0" cy="0"/>
+        </a:xfrm>
+      </p:grpSpPr>
+      <p:sp>
+        <p:nvSpPr>
+          <p:cNvPr id="2" name="Title 1"/>
+          <p:cNvSpPr>
+            <a:spLocks noGrp="1"/>
+          </p:cNvSpPr>
+          <p:nvPr>
+            <p:ph type="title"/>
+          </p:nvPr>
+        </p:nvSpPr>
+        <p:spPr/>
+        <p:txBody>
+          <a:bodyPr/>
+          <a:lstStyle/>
+          <a:p>
+            <a:r>
+              <a:rPr lang="en-US" b="1" dirty="0"/>
+              <a:t>Working with PF</a:t>
+            </a:r>
+          </a:p>
+        </p:txBody>
+      </p:sp>
+      <p:sp>
+        <p:nvSpPr>
+          <p:cNvPr id="3" name="Content Placeholder 2"/>
+          <p:cNvSpPr>
+            <a:spLocks noGrp="1"/>
+          </p:cNvSpPr>
+          <p:nvPr>
+            <p:ph idx="1"/>
+          </p:nvPr>
+        </p:nvSpPr>
+        <p:spPr/>
+        <p:txBody>
+          <a:bodyPr/>
+          <a:lstStyle/>
+          <a:p>
+            <a:r>
+              <a:rPr lang="en-US" b="1" dirty="0" err="1"/>
+              <a:t>pfctl</a:t>
+            </a:r>
+            <a:r>
+              <a:rPr lang="en-US" b="1" dirty="0"/>
+              <a:t> –</a:t>
+            </a:r>
+            <a:r>
+              <a:rPr lang="en-US" b="1" dirty="0" err="1"/>
+              <a:t>e</a:t>
+            </a:r>
+            <a:r>
+              <a:rPr lang="en-US" b="1" dirty="0"/>
+              <a:t> </a:t>
+            </a:r>
+            <a:r>
+              <a:rPr lang="en-US" dirty="0"/>
+              <a:t> </a:t>
+            </a:r>
+            <a:r>
+              <a:rPr lang="en-US" i="1" dirty="0"/>
+              <a:t>Enable PF</a:t>
+            </a:r>
+            <a:r>
+              <a:rPr lang="en-US" dirty="0"/>
+              <a:t> </a:t>
+            </a:r>
+          </a:p>
+          <a:p>
+            <a:r>
+              <a:rPr lang="en-US" b="1" dirty="0" err="1"/>
+              <a:t>pfctl</a:t>
+            </a:r>
+            <a:r>
+              <a:rPr lang="en-US" b="1" dirty="0"/>
+              <a:t> -</a:t>
+            </a:r>
+            <a:r>
+              <a:rPr lang="en-US" b="1" dirty="0" err="1"/>
+              <a:t>d</a:t>
+            </a:r>
+            <a:r>
+              <a:rPr lang="en-US" b="1" dirty="0"/>
+              <a:t> </a:t>
+            </a:r>
+            <a:r>
+              <a:rPr lang="en-US" i="1" dirty="0"/>
+              <a:t>Disable PF </a:t>
+            </a:r>
+          </a:p>
+          <a:p>
+            <a:r>
+              <a:rPr lang="en-US" b="1" dirty="0" err="1"/>
+              <a:t>pfctl</a:t>
+            </a:r>
+            <a:r>
+              <a:rPr lang="en-US" b="1" dirty="0"/>
+              <a:t> -F all -</a:t>
+            </a:r>
+            <a:r>
+              <a:rPr lang="en-US" b="1" dirty="0" err="1"/>
+              <a:t>f</a:t>
+            </a:r>
+            <a:r>
+              <a:rPr lang="en-US" b="1" dirty="0"/>
+              <a:t> /etc/</a:t>
+            </a:r>
+            <a:r>
+              <a:rPr lang="en-US" b="1" dirty="0" err="1"/>
+              <a:t>pf.conf</a:t>
+            </a:r>
+            <a:r>
+              <a:rPr lang="en-US" b="1" dirty="0"/>
+              <a:t> </a:t>
+            </a:r>
+            <a:r>
+              <a:rPr lang="en-US" i="1" dirty="0"/>
+              <a:t>Flush all rules (</a:t>
+            </a:r>
+            <a:r>
+              <a:rPr lang="en-US" i="1" dirty="0" err="1"/>
+              <a:t>nat</a:t>
+            </a:r>
+            <a:r>
+              <a:rPr lang="en-US" i="1" dirty="0"/>
+              <a:t>, filter, state, table, etc.) and reload </a:t>
+            </a:r>
+          </a:p>
+          <a:p>
+            <a:r>
+              <a:rPr lang="en-US" b="1" dirty="0" err="1"/>
+              <a:t>pfctl</a:t>
+            </a:r>
+            <a:r>
+              <a:rPr lang="en-US" b="1" dirty="0"/>
+              <a:t> -</a:t>
+            </a:r>
+            <a:r>
+              <a:rPr lang="en-US" b="1" dirty="0" err="1"/>
+              <a:t>s</a:t>
+            </a:r>
+            <a:r>
+              <a:rPr lang="en-US" b="1" dirty="0"/>
+              <a:t> [ rules | </a:t>
+            </a:r>
+            <a:r>
+              <a:rPr lang="en-US" b="1" dirty="0" err="1"/>
+              <a:t>nat</a:t>
+            </a:r>
+            <a:r>
+              <a:rPr lang="en-US" b="1" dirty="0"/>
+              <a:t> | state </a:t>
+            </a:r>
+            <a:r>
+              <a:rPr lang="en-US" b="1" i="1" dirty="0"/>
+              <a:t>] </a:t>
+            </a:r>
+            <a:r>
+              <a:rPr lang="en-US" i="1" dirty="0"/>
+              <a:t>Report on the filter rules, </a:t>
+            </a:r>
+            <a:r>
+              <a:rPr lang="en-US" i="1" dirty="0" err="1"/>
+              <a:t>nat</a:t>
+            </a:r>
+            <a:r>
+              <a:rPr lang="en-US" i="1" dirty="0"/>
+              <a:t> rules, or state table </a:t>
+            </a:r>
+          </a:p>
+          <a:p>
+            <a:r>
+              <a:rPr lang="en-US" b="1" dirty="0" err="1"/>
+              <a:t>pfctl</a:t>
+            </a:r>
+            <a:r>
+              <a:rPr lang="en-US" b="1" dirty="0"/>
+              <a:t> -</a:t>
+            </a:r>
+            <a:r>
+              <a:rPr lang="en-US" b="1" dirty="0" err="1"/>
+              <a:t>vnf</a:t>
+            </a:r>
+            <a:r>
+              <a:rPr lang="en-US" b="1" dirty="0"/>
+              <a:t> /etc/</a:t>
+            </a:r>
+            <a:r>
+              <a:rPr lang="en-US" b="1" dirty="0" err="1"/>
+              <a:t>pf.conf</a:t>
+            </a:r>
+            <a:r>
+              <a:rPr lang="en-US" b="1" dirty="0"/>
+              <a:t> </a:t>
+            </a:r>
+            <a:r>
+              <a:rPr lang="en-US" i="1" dirty="0"/>
+              <a:t>Check /etc/</a:t>
+            </a:r>
+            <a:r>
+              <a:rPr lang="en-US" i="1" dirty="0" err="1"/>
+              <a:t>pf.conf</a:t>
+            </a:r>
+            <a:r>
+              <a:rPr lang="en-US" i="1" dirty="0"/>
+              <a:t> for errors, but do not load </a:t>
+            </a:r>
+            <a:r>
+              <a:rPr lang="en-US" i="1" dirty="0" err="1"/>
+              <a:t>ruleset</a:t>
+            </a:r>
+            <a:endParaRPr lang="en-US" i="1" dirty="0"/>
+          </a:p>
+        </p:txBody>
+      </p:sp>
+    </p:spTree>
+    <p:extLst>
+      <p:ext uri="{BB962C8B-B14F-4D97-AF65-F5344CB8AC3E}">
+        <p14:creationId xmlns:p14="http://schemas.microsoft.com/office/powerpoint/2010/main" val="3010122292"/>
+      </p:ext>
+    </p:extLst>
+  </p:cSld>
+  <p:clrMapOvr>
+    <a:masterClrMapping/>
+  </p:clrMapOvr>
+</p:sld>
+</file>
+
+<file path=ppt/slides/slide23.xml><?xml version="1.0" encoding="utf-8"?>
+<p:sld xmlns:a="http://schemas.openxmlformats.org/drawingml/2006/main" xmlns:r="http://schemas.openxmlformats.org/officeDocument/2006/relationships" xmlns:p="http://schemas.openxmlformats.org/presentationml/2006/main">
+  <p:cSld>
+    <p:spTree>
+      <p:nvGrpSpPr>
+        <p:cNvPr id="1" name=""/>
+        <p:cNvGrpSpPr/>
+        <p:nvPr/>
+      </p:nvGrpSpPr>
+      <p:grpSpPr>
+        <a:xfrm>
+          <a:off x="0" y="0"/>
+          <a:ext cx="0" cy="0"/>
+          <a:chOff x="0" y="0"/>
+          <a:chExt cx="0" cy="0"/>
+        </a:xfrm>
+      </p:grpSpPr>
+      <p:sp>
+        <p:nvSpPr>
+          <p:cNvPr id="2" name="Title 1"/>
+          <p:cNvSpPr>
+            <a:spLocks noGrp="1"/>
+          </p:cNvSpPr>
+          <p:nvPr>
+            <p:ph type="title"/>
+          </p:nvPr>
+        </p:nvSpPr>
+        <p:spPr/>
+        <p:txBody>
+          <a:bodyPr/>
+          <a:lstStyle/>
+          <a:p>
+            <a:r>
+              <a:rPr lang="en-US" b="1" dirty="0"/>
+              <a:t>Packet Filtering with PF</a:t>
+            </a:r>
+          </a:p>
+        </p:txBody>
+      </p:sp>
+      <p:sp>
+        <p:nvSpPr>
+          <p:cNvPr id="3" name="Content Placeholder 2"/>
+          <p:cNvSpPr>
+            <a:spLocks noGrp="1"/>
+          </p:cNvSpPr>
+          <p:nvPr>
+            <p:ph idx="1"/>
+          </p:nvPr>
+        </p:nvSpPr>
+        <p:spPr/>
+        <p:txBody>
+          <a:bodyPr>
+            <a:normAutofit fontScale="92500" lnSpcReduction="10000"/>
+          </a:bodyPr>
+          <a:lstStyle/>
+          <a:p>
+            <a:r>
+              <a:rPr lang="en-US" dirty="0"/>
+              <a:t>Rules are loaded from a file usually </a:t>
+            </a:r>
+            <a:r>
+              <a:rPr lang="en-US" b="1" dirty="0"/>
+              <a:t>/etc/</a:t>
+            </a:r>
+            <a:r>
+              <a:rPr lang="en-US" b="1" dirty="0" err="1"/>
+              <a:t>pf.conf</a:t>
+            </a:r>
+            <a:endParaRPr lang="en-US" b="1" dirty="0"/>
+          </a:p>
+          <a:p>
+            <a:r>
+              <a:rPr lang="en-US" dirty="0"/>
+              <a:t>Packets can be passed, redirected or dropped as they pass through an interface</a:t>
+            </a:r>
+          </a:p>
+          <a:p>
+            <a:r>
+              <a:rPr lang="en-US" dirty="0"/>
+              <a:t>PF inspects packets based on Layer 3 (IPv4/IPV6) and Layer 4 headers (TCP, UDP, ICMP/v6)</a:t>
+            </a:r>
+          </a:p>
+          <a:p>
+            <a:r>
+              <a:rPr lang="en-US" dirty="0"/>
+              <a:t>Can check for source/destination address, protocol (Layer 4) and source/destination port</a:t>
+            </a:r>
+          </a:p>
+          <a:p>
+            <a:r>
+              <a:rPr lang="en-US" dirty="0"/>
+              <a:t>Rules evaluated in sequential order – top to bottom of the file </a:t>
+            </a:r>
+          </a:p>
+        </p:txBody>
+      </p:sp>
+    </p:spTree>
+    <p:extLst>
+      <p:ext uri="{BB962C8B-B14F-4D97-AF65-F5344CB8AC3E}">
+        <p14:creationId xmlns:p14="http://schemas.microsoft.com/office/powerpoint/2010/main" val="668854031"/>
+      </p:ext>
+    </p:extLst>
+  </p:cSld>
+  <p:clrMapOvr>
+    <a:masterClrMapping/>
+  </p:clrMapOvr>
+</p:sld>
+</file>
+
+<file path=ppt/slides/slide24.xml><?xml version="1.0" encoding="utf-8"?>
+<p:sld xmlns:a="http://schemas.openxmlformats.org/drawingml/2006/main" xmlns:r="http://schemas.openxmlformats.org/officeDocument/2006/relationships" xmlns:p="http://schemas.openxmlformats.org/presentationml/2006/main">
+  <p:cSld>
+    <p:spTree>
+      <p:nvGrpSpPr>
+        <p:cNvPr id="1" name=""/>
+        <p:cNvGrpSpPr/>
+        <p:nvPr/>
+      </p:nvGrpSpPr>
+      <p:grpSpPr>
+        <a:xfrm>
+          <a:off x="0" y="0"/>
+          <a:ext cx="0" cy="0"/>
+          <a:chOff x="0" y="0"/>
+          <a:chExt cx="0" cy="0"/>
+        </a:xfrm>
+      </p:grpSpPr>
+      <p:sp>
+        <p:nvSpPr>
+          <p:cNvPr id="2" name="Title 1"/>
+          <p:cNvSpPr>
+            <a:spLocks noGrp="1"/>
+          </p:cNvSpPr>
+          <p:nvPr>
+            <p:ph type="title"/>
+          </p:nvPr>
+        </p:nvSpPr>
+        <p:spPr/>
+        <p:txBody>
+          <a:bodyPr/>
+          <a:lstStyle/>
+          <a:p>
+            <a:r>
+              <a:rPr lang="en-US" b="1" dirty="0"/>
+              <a:t>Packet Filtering with PF cont’d</a:t>
+            </a:r>
+          </a:p>
+        </p:txBody>
+      </p:sp>
+      <p:sp>
+        <p:nvSpPr>
+          <p:cNvPr id="3" name="Content Placeholder 2"/>
+          <p:cNvSpPr>
+            <a:spLocks noGrp="1"/>
+          </p:cNvSpPr>
+          <p:nvPr>
+            <p:ph idx="1"/>
+          </p:nvPr>
+        </p:nvSpPr>
+        <p:spPr/>
+        <p:txBody>
+          <a:bodyPr>
+            <a:normAutofit fontScale="92500"/>
+          </a:bodyPr>
+          <a:lstStyle/>
+          <a:p>
+            <a:r>
+              <a:rPr lang="en-US" dirty="0"/>
+              <a:t>A packet is evaluated against all the rules UNLESS the key word </a:t>
+            </a:r>
+            <a:r>
+              <a:rPr lang="en-US" b="1" i="1" dirty="0"/>
+              <a:t>quick </a:t>
+            </a:r>
+            <a:r>
+              <a:rPr lang="en-US" dirty="0"/>
+              <a:t>is specified</a:t>
+            </a:r>
+          </a:p>
+          <a:p>
+            <a:r>
+              <a:rPr lang="en-US" dirty="0"/>
+              <a:t>If </a:t>
+            </a:r>
+            <a:r>
+              <a:rPr lang="en-US" b="1" i="1" dirty="0"/>
+              <a:t>quick </a:t>
+            </a:r>
+            <a:r>
+              <a:rPr lang="en-US" dirty="0"/>
+              <a:t>is not specified then the last rule to match wins and action is taken on the packet</a:t>
+            </a:r>
+          </a:p>
+          <a:p>
+            <a:r>
+              <a:rPr lang="en-US" dirty="0"/>
+              <a:t>There is an implicit pass all at the beginning meaning that if a packet does not match any rule then it will be passed</a:t>
+            </a:r>
+          </a:p>
+          <a:p>
+            <a:r>
+              <a:rPr lang="en-US" dirty="0"/>
+              <a:t>You are free to circumvent this feature if you want by having a “block all” at the top of the file</a:t>
+            </a:r>
+          </a:p>
+          <a:p>
+            <a:endParaRPr lang="en-US" dirty="0"/>
+          </a:p>
+        </p:txBody>
+      </p:sp>
+    </p:spTree>
+    <p:extLst>
+      <p:ext uri="{BB962C8B-B14F-4D97-AF65-F5344CB8AC3E}">
+        <p14:creationId xmlns:p14="http://schemas.microsoft.com/office/powerpoint/2010/main" val="1799175939"/>
+      </p:ext>
+    </p:extLst>
+  </p:cSld>
+  <p:clrMapOvr>
+    <a:masterClrMapping/>
+  </p:clrMapOvr>
+</p:sld>
+</file>
+
+<file path=ppt/slides/slide25.xml><?xml version="1.0" encoding="utf-8"?>
+<p:sld xmlns:a="http://schemas.openxmlformats.org/drawingml/2006/main" xmlns:r="http://schemas.openxmlformats.org/officeDocument/2006/relationships" xmlns:p="http://schemas.openxmlformats.org/presentationml/2006/main">
+  <p:cSld>
+    <p:spTree>
+      <p:nvGrpSpPr>
+        <p:cNvPr id="1" name=""/>
+        <p:cNvGrpSpPr/>
+        <p:nvPr/>
+      </p:nvGrpSpPr>
+      <p:grpSpPr>
+        <a:xfrm>
+          <a:off x="0" y="0"/>
+          <a:ext cx="0" cy="0"/>
+          <a:chOff x="0" y="0"/>
+          <a:chExt cx="0" cy="0"/>
+        </a:xfrm>
+      </p:grpSpPr>
+      <p:sp>
+        <p:nvSpPr>
+          <p:cNvPr id="2" name="Title 1"/>
+          <p:cNvSpPr>
+            <a:spLocks noGrp="1"/>
+          </p:cNvSpPr>
+          <p:nvPr>
+            <p:ph type="title"/>
+          </p:nvPr>
+        </p:nvSpPr>
+        <p:spPr>
+          <a:xfrm>
+            <a:off x="457200" y="274638"/>
+            <a:ext cx="8229600" cy="614362"/>
+          </a:xfrm>
+        </p:spPr>
+        <p:txBody>
+          <a:bodyPr>
+            <a:normAutofit fontScale="90000"/>
+          </a:bodyPr>
+          <a:lstStyle/>
+          <a:p>
+            <a:r>
+              <a:rPr lang="en-US" b="1" dirty="0"/>
+              <a:t>Rule Syntax</a:t>
+            </a:r>
+          </a:p>
+        </p:txBody>
+      </p:sp>
+      <p:sp>
+        <p:nvSpPr>
+          <p:cNvPr id="3" name="Content Placeholder 2"/>
+          <p:cNvSpPr>
+            <a:spLocks noGrp="1"/>
+          </p:cNvSpPr>
+          <p:nvPr>
+            <p:ph idx="1"/>
+          </p:nvPr>
+        </p:nvSpPr>
+        <p:spPr>
+          <a:xfrm>
+            <a:off x="457200" y="889000"/>
+            <a:ext cx="8229600" cy="5237163"/>
+          </a:xfrm>
+        </p:spPr>
+        <p:txBody>
+          <a:bodyPr>
+            <a:normAutofit fontScale="92500" lnSpcReduction="10000"/>
+          </a:bodyPr>
+          <a:lstStyle/>
+          <a:p>
+            <a:r>
+              <a:rPr lang="en-US" sz="2400" i="1" dirty="0"/>
+              <a:t>action [direction] [log] [quick] [on interface] [</a:t>
+            </a:r>
+            <a:r>
+              <a:rPr lang="en-US" sz="2400" i="1" dirty="0" err="1"/>
+              <a:t>af</a:t>
+            </a:r>
+            <a:r>
+              <a:rPr lang="en-US" sz="2400" i="1" dirty="0"/>
+              <a:t>] [proto protocol]  [from </a:t>
+            </a:r>
+            <a:r>
+              <a:rPr lang="en-US" sz="2400" i="1" dirty="0" err="1"/>
+              <a:t>src_addr</a:t>
+            </a:r>
+            <a:r>
+              <a:rPr lang="en-US" sz="2400" i="1" dirty="0"/>
+              <a:t> [port </a:t>
+            </a:r>
+            <a:r>
+              <a:rPr lang="en-US" sz="2400" i="1" dirty="0" err="1"/>
+              <a:t>src_port</a:t>
+            </a:r>
+            <a:r>
+              <a:rPr lang="en-US" sz="2400" i="1" dirty="0"/>
+              <a:t>]] [to </a:t>
+            </a:r>
+            <a:r>
+              <a:rPr lang="en-US" sz="2400" i="1" dirty="0" err="1"/>
+              <a:t>dst_addr</a:t>
+            </a:r>
+            <a:r>
+              <a:rPr lang="en-US" sz="2400" i="1" dirty="0"/>
+              <a:t> [port </a:t>
+            </a:r>
+            <a:r>
+              <a:rPr lang="en-US" sz="2400" i="1" dirty="0" err="1"/>
+              <a:t>dst_port</a:t>
+            </a:r>
+            <a:r>
+              <a:rPr lang="en-US" sz="2400" i="1" dirty="0"/>
+              <a:t>]] [flags </a:t>
+            </a:r>
+            <a:r>
+              <a:rPr lang="en-US" sz="2400" i="1" dirty="0" err="1"/>
+              <a:t>tcp_flags</a:t>
+            </a:r>
+            <a:r>
+              <a:rPr lang="en-US" sz="2400" i="1" dirty="0"/>
+              <a:t>] [state]</a:t>
+            </a:r>
+          </a:p>
+          <a:p>
+            <a:r>
+              <a:rPr lang="en-US" sz="2400" b="1" dirty="0"/>
+              <a:t>action</a:t>
+            </a:r>
+            <a:r>
+              <a:rPr lang="en-US" sz="2400" dirty="0"/>
+              <a:t> – pass or block</a:t>
+            </a:r>
+          </a:p>
+          <a:p>
+            <a:r>
+              <a:rPr lang="en-US" sz="2400" b="1" dirty="0"/>
+              <a:t>direction</a:t>
+            </a:r>
+            <a:r>
+              <a:rPr lang="en-US" sz="2400" dirty="0"/>
+              <a:t> – in or out</a:t>
+            </a:r>
+          </a:p>
+          <a:p>
+            <a:r>
+              <a:rPr lang="en-US" sz="2400" b="1" dirty="0"/>
+              <a:t>log</a:t>
+            </a:r>
+            <a:r>
+              <a:rPr lang="en-US" sz="2400" dirty="0"/>
+              <a:t> – should this be logged or not</a:t>
+            </a:r>
+          </a:p>
+          <a:p>
+            <a:r>
+              <a:rPr lang="en-US" sz="2400" b="1" dirty="0"/>
+              <a:t>quick</a:t>
+            </a:r>
+            <a:r>
+              <a:rPr lang="en-US" sz="2400" dirty="0"/>
+              <a:t> – specified action is taken immediately</a:t>
+            </a:r>
+          </a:p>
+          <a:p>
+            <a:r>
+              <a:rPr lang="en-US" sz="2400" b="1" dirty="0"/>
+              <a:t>on interface </a:t>
+            </a:r>
+            <a:r>
+              <a:rPr lang="en-US" sz="2400" dirty="0"/>
+              <a:t>– name of the interface</a:t>
+            </a:r>
+          </a:p>
+          <a:p>
+            <a:r>
+              <a:rPr lang="en-US" sz="2400" b="1" dirty="0" err="1"/>
+              <a:t>inet</a:t>
+            </a:r>
+            <a:r>
+              <a:rPr lang="en-US" sz="2400" dirty="0"/>
+              <a:t> – address family, inet6 for ipv6</a:t>
+            </a:r>
+          </a:p>
+          <a:p>
+            <a:r>
+              <a:rPr lang="en-US" sz="2400" b="1" dirty="0"/>
+              <a:t>protocol</a:t>
+            </a:r>
+            <a:r>
+              <a:rPr lang="en-US" sz="2400" dirty="0"/>
+              <a:t> – </a:t>
+            </a:r>
+            <a:r>
+              <a:rPr lang="en-US" sz="2400" dirty="0" err="1"/>
+              <a:t>tcp</a:t>
+            </a:r>
+            <a:r>
+              <a:rPr lang="en-US" sz="2400" dirty="0"/>
+              <a:t>, </a:t>
+            </a:r>
+            <a:r>
+              <a:rPr lang="en-US" sz="2400" dirty="0" err="1"/>
+              <a:t>udp</a:t>
+            </a:r>
+            <a:r>
+              <a:rPr lang="en-US" sz="2400" dirty="0"/>
+              <a:t>, </a:t>
+            </a:r>
+            <a:r>
+              <a:rPr lang="en-US" sz="2400" dirty="0" err="1"/>
+              <a:t>icmp</a:t>
+            </a:r>
+            <a:r>
+              <a:rPr lang="en-US" sz="2400" dirty="0"/>
+              <a:t>, icmp6 or others in </a:t>
+            </a:r>
+            <a:r>
+              <a:rPr lang="en-US" sz="2400" b="1" dirty="0"/>
+              <a:t>/etc/protocols</a:t>
+            </a:r>
+          </a:p>
+          <a:p>
+            <a:r>
+              <a:rPr lang="en-US" sz="2400" b="1" dirty="0" err="1"/>
+              <a:t>src_addr</a:t>
+            </a:r>
+            <a:r>
+              <a:rPr lang="en-US" sz="2400" b="1" dirty="0"/>
+              <a:t>/</a:t>
+            </a:r>
+            <a:r>
+              <a:rPr lang="en-US" sz="2400" b="1" dirty="0" err="1"/>
+              <a:t>dst_addr</a:t>
+            </a:r>
+            <a:r>
+              <a:rPr lang="en-US" sz="2400" b="1" dirty="0"/>
+              <a:t> </a:t>
+            </a:r>
+            <a:r>
+              <a:rPr lang="en-US" sz="2400" dirty="0"/>
+              <a:t>– source port or destination address</a:t>
+            </a:r>
+          </a:p>
+          <a:p>
+            <a:r>
+              <a:rPr lang="en-US" sz="2400" b="1" dirty="0" err="1"/>
+              <a:t>src_port</a:t>
+            </a:r>
+            <a:r>
+              <a:rPr lang="en-US" sz="2400" b="1" dirty="0"/>
+              <a:t>/</a:t>
+            </a:r>
+            <a:r>
+              <a:rPr lang="en-US" sz="2400" b="1" dirty="0" err="1"/>
+              <a:t>dst_port</a:t>
+            </a:r>
+            <a:r>
+              <a:rPr lang="en-US" sz="2400" b="1" dirty="0"/>
+              <a:t> </a:t>
+            </a:r>
+            <a:r>
+              <a:rPr lang="en-US" sz="2400" dirty="0"/>
+              <a:t>– Number between 1 – 65535 (</a:t>
+            </a:r>
+            <a:r>
+              <a:rPr lang="en-US" sz="2400" b="1" dirty="0"/>
+              <a:t>/etc/services</a:t>
+            </a:r>
+          </a:p>
+          <a:p>
+            <a:r>
+              <a:rPr lang="en-US" sz="2400" b="1" dirty="0" err="1"/>
+              <a:t>tcp_flags</a:t>
+            </a:r>
+            <a:r>
+              <a:rPr lang="en-US" sz="2400" dirty="0"/>
+              <a:t> – </a:t>
+            </a:r>
+            <a:r>
+              <a:rPr lang="en-US" sz="2400" dirty="0" err="1"/>
+              <a:t>eg</a:t>
+            </a:r>
+            <a:r>
+              <a:rPr lang="en-US" sz="2400" dirty="0"/>
+              <a:t> flags S/SA look only for SYN and ACK</a:t>
+            </a:r>
+          </a:p>
+          <a:p>
+            <a:r>
+              <a:rPr lang="en-US" sz="2400" b="1" dirty="0"/>
+              <a:t>state</a:t>
+            </a:r>
+            <a:r>
+              <a:rPr lang="en-US" sz="2400" dirty="0"/>
+              <a:t> – whether to check state. PF checks state by default</a:t>
+            </a:r>
+          </a:p>
+          <a:p>
+            <a:endParaRPr lang="en-US" sz="2400" b="1" dirty="0"/>
+          </a:p>
+        </p:txBody>
+      </p:sp>
+    </p:spTree>
+    <p:extLst>
+      <p:ext uri="{BB962C8B-B14F-4D97-AF65-F5344CB8AC3E}">
+        <p14:creationId xmlns:p14="http://schemas.microsoft.com/office/powerpoint/2010/main" val="3567427913"/>
+      </p:ext>
+    </p:extLst>
+  </p:cSld>
+  <p:clrMapOvr>
+    <a:masterClrMapping/>
+  </p:clrMapOvr>
+</p:sld>
+</file>
+
+<file path=ppt/slides/slide26.xml><?xml version="1.0" encoding="utf-8"?>
+<p:sld xmlns:a="http://schemas.openxmlformats.org/drawingml/2006/main" xmlns:r="http://schemas.openxmlformats.org/officeDocument/2006/relationships" xmlns:p="http://schemas.openxmlformats.org/presentationml/2006/main">
+  <p:cSld>
+    <p:spTree>
+      <p:nvGrpSpPr>
+        <p:cNvPr id="1" name=""/>
+        <p:cNvGrpSpPr/>
+        <p:nvPr/>
+      </p:nvGrpSpPr>
+      <p:grpSpPr>
+        <a:xfrm>
+          <a:off x="0" y="0"/>
+          <a:ext cx="0" cy="0"/>
+          <a:chOff x="0" y="0"/>
+          <a:chExt cx="0" cy="0"/>
+        </a:xfrm>
+      </p:grpSpPr>
+      <p:sp>
+        <p:nvSpPr>
+          <p:cNvPr id="2" name="Title 1"/>
+          <p:cNvSpPr>
+            <a:spLocks noGrp="1"/>
+          </p:cNvSpPr>
+          <p:nvPr>
+            <p:ph type="title"/>
+          </p:nvPr>
+        </p:nvSpPr>
+        <p:spPr>
+          <a:xfrm>
+            <a:off x="457200" y="274638"/>
+            <a:ext cx="8229600" cy="766762"/>
+          </a:xfrm>
+        </p:spPr>
+        <p:txBody>
+          <a:bodyPr/>
+          <a:lstStyle/>
+          <a:p>
+            <a:r>
+              <a:rPr lang="en-US" b="1" dirty="0"/>
+              <a:t>Good practice</a:t>
+            </a:r>
+          </a:p>
+        </p:txBody>
+      </p:sp>
+      <p:sp>
+        <p:nvSpPr>
+          <p:cNvPr id="3" name="Content Placeholder 2"/>
+          <p:cNvSpPr>
+            <a:spLocks noGrp="1"/>
+          </p:cNvSpPr>
+          <p:nvPr>
+            <p:ph idx="1"/>
+          </p:nvPr>
+        </p:nvSpPr>
+        <p:spPr>
+          <a:xfrm>
+            <a:off x="457199" y="1161858"/>
+            <a:ext cx="8336501" cy="5368256"/>
+          </a:xfrm>
+        </p:spPr>
+        <p:txBody>
+          <a:bodyPr>
+            <a:normAutofit fontScale="92500" lnSpcReduction="10000"/>
+          </a:bodyPr>
+          <a:lstStyle/>
+          <a:p>
+            <a:r>
+              <a:rPr lang="en-US" dirty="0"/>
+              <a:t>Recommended to have default deny at the beginning of the file so that what you do not specify is denied by default.</a:t>
+            </a:r>
+          </a:p>
+          <a:p>
+            <a:pPr lvl="1"/>
+            <a:r>
+              <a:rPr lang="en-US" dirty="0"/>
+              <a:t>i.e. to make it an exclusive firewall</a:t>
+            </a:r>
+          </a:p>
+          <a:p>
+            <a:r>
+              <a:rPr lang="en-US" dirty="0"/>
+              <a:t>This is to counter the default pass rule</a:t>
+            </a:r>
+          </a:p>
+          <a:p>
+            <a:r>
+              <a:rPr lang="en-US" dirty="0"/>
+              <a:t>Done by adding the below at the top of the file</a:t>
+            </a:r>
+          </a:p>
+          <a:p>
+            <a:pPr lvl="1"/>
+            <a:r>
+              <a:rPr lang="en-US" b="1" dirty="0"/>
+              <a:t>block in all</a:t>
+            </a:r>
+          </a:p>
+          <a:p>
+            <a:r>
+              <a:rPr lang="en-US" dirty="0"/>
+              <a:t>Also good idea to leave out the loopback interface and link local addresses</a:t>
+            </a:r>
+          </a:p>
+          <a:p>
+            <a:pPr lvl="1"/>
+            <a:r>
+              <a:rPr lang="en-US" b="1" dirty="0"/>
+              <a:t>set skip on lo0</a:t>
+            </a:r>
+          </a:p>
+          <a:p>
+            <a:pPr lvl="1"/>
+            <a:r>
+              <a:rPr lang="en-US" dirty="0"/>
+              <a:t>You can set a macro </a:t>
+            </a:r>
+            <a:r>
+              <a:rPr lang="en-US" dirty="0" err="1"/>
+              <a:t>eg</a:t>
+            </a:r>
+            <a:r>
+              <a:rPr lang="en-US" dirty="0"/>
+              <a:t>: ipv6_ll=“fe80::/10”</a:t>
+            </a:r>
+          </a:p>
+          <a:p>
+            <a:endParaRPr lang="en-US" b="1" dirty="0"/>
+          </a:p>
+        </p:txBody>
+      </p:sp>
+    </p:spTree>
+    <p:extLst>
+      <p:ext uri="{BB962C8B-B14F-4D97-AF65-F5344CB8AC3E}">
+        <p14:creationId xmlns:p14="http://schemas.microsoft.com/office/powerpoint/2010/main" val="1515598244"/>
+      </p:ext>
+    </p:extLst>
+  </p:cSld>
+  <p:clrMapOvr>
+    <a:masterClrMapping/>
+  </p:clrMapOvr>
+</p:sld>
+</file>
+
+<file path=ppt/slides/slide27.xml><?xml version="1.0" encoding="utf-8"?>
+<p:sld xmlns:a="http://schemas.openxmlformats.org/drawingml/2006/main" xmlns:r="http://schemas.openxmlformats.org/officeDocument/2006/relationships" xmlns:p="http://schemas.openxmlformats.org/presentationml/2006/main">
+  <p:cSld>
+    <p:spTree>
+      <p:nvGrpSpPr>
+        <p:cNvPr id="1" name=""/>
+        <p:cNvGrpSpPr/>
+        <p:nvPr/>
+      </p:nvGrpSpPr>
+      <p:grpSpPr>
+        <a:xfrm>
+          <a:off x="0" y="0"/>
+          <a:ext cx="0" cy="0"/>
+          <a:chOff x="0" y="0"/>
+          <a:chExt cx="0" cy="0"/>
+        </a:xfrm>
+      </p:grpSpPr>
+      <p:sp>
+        <p:nvSpPr>
+          <p:cNvPr id="2" name="Title 1">
+            <a:extLst>
+              <a:ext uri="{FF2B5EF4-FFF2-40B4-BE49-F238E27FC236}">
+                <a16:creationId xmlns:a16="http://schemas.microsoft.com/office/drawing/2014/main" id="{E002F60E-7BCA-A341-9C10-705B8DF2F286}"/>
+              </a:ext>
+            </a:extLst>
+          </p:cNvPr>
+          <p:cNvSpPr>
+            <a:spLocks noGrp="1"/>
+          </p:cNvSpPr>
+          <p:nvPr>
+            <p:ph type="title"/>
+          </p:nvPr>
+        </p:nvSpPr>
+        <p:spPr/>
+        <p:txBody>
+          <a:bodyPr/>
+          <a:lstStyle/>
+          <a:p>
+            <a:r>
+              <a:rPr lang="en-US" b="1" dirty="0"/>
+              <a:t>Some PF Examples</a:t>
+            </a:r>
+          </a:p>
+        </p:txBody>
+      </p:sp>
+      <p:sp>
+        <p:nvSpPr>
+          <p:cNvPr id="3" name="Content Placeholder 2">
+            <a:extLst>
+              <a:ext uri="{FF2B5EF4-FFF2-40B4-BE49-F238E27FC236}">
+                <a16:creationId xmlns:a16="http://schemas.microsoft.com/office/drawing/2014/main" id="{2F6C1513-11B1-8B4B-9514-4DBD04AC79E5}"/>
+              </a:ext>
+            </a:extLst>
+          </p:cNvPr>
+          <p:cNvSpPr>
+            <a:spLocks noGrp="1"/>
+          </p:cNvSpPr>
+          <p:nvPr>
+            <p:ph idx="1"/>
+          </p:nvPr>
+        </p:nvSpPr>
+        <p:spPr>
+          <a:xfrm>
+            <a:off x="283779" y="1417638"/>
+            <a:ext cx="8734097" cy="5156583"/>
+          </a:xfrm>
+        </p:spPr>
+        <p:txBody>
+          <a:bodyPr>
+            <a:normAutofit fontScale="85000" lnSpcReduction="10000"/>
+          </a:bodyPr>
+          <a:lstStyle/>
+          <a:p>
+            <a:pPr marL="0" indent="0">
+              <a:buNone/>
+            </a:pPr>
+            <a:r>
+              <a:rPr lang="en-US" sz="1900" dirty="0" err="1">
+                <a:latin typeface="Courier"/>
+                <a:cs typeface="Courier"/>
+              </a:rPr>
+              <a:t>good_ports</a:t>
+            </a:r>
+            <a:r>
+              <a:rPr lang="en-US" sz="1900" dirty="0">
+                <a:latin typeface="Courier"/>
+                <a:cs typeface="Courier"/>
+              </a:rPr>
+              <a:t>=“{ 22, 443, 80 }”</a:t>
+            </a:r>
+            <a:br>
+              <a:rPr lang="en-US" sz="1900" dirty="0">
+                <a:latin typeface="Courier"/>
+                <a:cs typeface="Courier"/>
+              </a:rPr>
+            </a:br>
+            <a:r>
+              <a:rPr lang="en-US" sz="1900" dirty="0">
+                <a:latin typeface="Courier"/>
+                <a:cs typeface="Courier"/>
+              </a:rPr>
+              <a:t>me=“192.168.0.1”</a:t>
+            </a:r>
+            <a:br>
+              <a:rPr lang="en-US" sz="1900" dirty="0">
+                <a:latin typeface="Courier"/>
+                <a:cs typeface="Courier"/>
+              </a:rPr>
+            </a:br>
+            <a:r>
+              <a:rPr lang="en-US" sz="1900" dirty="0">
+                <a:latin typeface="Courier"/>
+                <a:cs typeface="Courier"/>
+              </a:rPr>
+              <a:t>set skip on lo0</a:t>
+            </a:r>
+          </a:p>
+          <a:p>
+            <a:pPr marL="0" indent="0">
+              <a:buNone/>
+            </a:pPr>
+            <a:r>
+              <a:rPr lang="en-US" sz="1900" dirty="0">
+                <a:latin typeface="Courier"/>
+                <a:cs typeface="Courier"/>
+              </a:rPr>
+              <a:t>block in all</a:t>
+            </a:r>
+          </a:p>
+          <a:p>
+            <a:pPr marL="0" indent="0">
+              <a:buNone/>
+            </a:pPr>
+            <a:r>
+              <a:rPr lang="en-US" sz="1900" dirty="0">
+                <a:latin typeface="Courier"/>
+                <a:cs typeface="Courier"/>
+              </a:rPr>
+              <a:t>pass out all </a:t>
+            </a:r>
+          </a:p>
+          <a:p>
+            <a:pPr marL="0" indent="0">
+              <a:buNone/>
+            </a:pPr>
+            <a:r>
+              <a:rPr lang="en-US" sz="1900" dirty="0">
+                <a:latin typeface="Courier"/>
+                <a:cs typeface="Courier"/>
+              </a:rPr>
+              <a:t>pass in on em0 </a:t>
+            </a:r>
+            <a:r>
+              <a:rPr lang="en-US" sz="1900" dirty="0" err="1">
+                <a:latin typeface="Courier"/>
+                <a:cs typeface="Courier"/>
+              </a:rPr>
+              <a:t>inet</a:t>
+            </a:r>
+            <a:r>
+              <a:rPr lang="en-US" sz="1900" dirty="0">
+                <a:latin typeface="Courier"/>
+                <a:cs typeface="Courier"/>
+              </a:rPr>
+              <a:t> proto </a:t>
+            </a:r>
+            <a:r>
+              <a:rPr lang="en-US" sz="1900" dirty="0" err="1">
+                <a:latin typeface="Courier"/>
+                <a:cs typeface="Courier"/>
+              </a:rPr>
+              <a:t>tcp</a:t>
+            </a:r>
+            <a:r>
+              <a:rPr lang="en-US" sz="1900" dirty="0">
+                <a:latin typeface="Courier"/>
+                <a:cs typeface="Courier"/>
+              </a:rPr>
+              <a:t> from any to $me 	port $</a:t>
+            </a:r>
+            <a:r>
+              <a:rPr lang="en-US" sz="1900" dirty="0" err="1">
+                <a:latin typeface="Courier"/>
+                <a:cs typeface="Courier"/>
+              </a:rPr>
+              <a:t>good_ports</a:t>
+            </a:r>
+            <a:br>
+              <a:rPr lang="en-US" sz="2800" dirty="0">
+                <a:latin typeface="Courier"/>
+                <a:cs typeface="Courier"/>
+              </a:rPr>
+            </a:br>
+            <a:br>
+              <a:rPr lang="en-US" dirty="0"/>
+            </a:br>
+            <a:br>
+              <a:rPr lang="en-US" dirty="0"/>
+            </a:br>
+            <a:r>
+              <a:rPr lang="en-US" dirty="0"/>
+              <a:t>##This is sufficient to allow any communication that the server initiates (pass out all), allow all incoming </a:t>
+            </a:r>
+            <a:r>
+              <a:rPr lang="en-US" dirty="0" err="1"/>
+              <a:t>tcp</a:t>
+            </a:r>
+            <a:r>
+              <a:rPr lang="en-US" dirty="0"/>
+              <a:t> traffic to the good ports and block all other incoming traffic. The “pass out all” is needed despite PF having an implicit pass rule. Removing it will mean traffic out will not match any rule but incoming replies to conversations initiated by the server will be matched against the “block in all” rule.</a:t>
+            </a:r>
+          </a:p>
+          <a:p>
+            <a:endParaRPr lang="en-US" dirty="0"/>
+          </a:p>
+        </p:txBody>
+      </p:sp>
+    </p:spTree>
+    <p:extLst>
+      <p:ext uri="{BB962C8B-B14F-4D97-AF65-F5344CB8AC3E}">
+        <p14:creationId xmlns:p14="http://schemas.microsoft.com/office/powerpoint/2010/main" val="1076474427"/>
+      </p:ext>
+    </p:extLst>
+  </p:cSld>
+  <p:clrMapOvr>
+    <a:masterClrMapping/>
+  </p:clrMapOvr>
+</p:sld>
+</file>
+
+<file path=ppt/slides/slide28.xml><?xml version="1.0" encoding="utf-8"?>
+<p:sld xmlns:a="http://schemas.openxmlformats.org/drawingml/2006/main" xmlns:r="http://schemas.openxmlformats.org/officeDocument/2006/relationships" xmlns:p="http://schemas.openxmlformats.org/presentationml/2006/main">
+  <p:cSld>
+    <p:spTree>
+      <p:nvGrpSpPr>
+        <p:cNvPr id="1" name=""/>
+        <p:cNvGrpSpPr/>
+        <p:nvPr/>
+      </p:nvGrpSpPr>
+      <p:grpSpPr>
+        <a:xfrm>
+          <a:off x="0" y="0"/>
+          <a:ext cx="0" cy="0"/>
+          <a:chOff x="0" y="0"/>
+          <a:chExt cx="0" cy="0"/>
+        </a:xfrm>
+      </p:grpSpPr>
+      <p:sp>
+        <p:nvSpPr>
+          <p:cNvPr id="2" name="Title 1"/>
+          <p:cNvSpPr>
+            <a:spLocks noGrp="1"/>
+          </p:cNvSpPr>
+          <p:nvPr>
+            <p:ph type="title"/>
+          </p:nvPr>
+        </p:nvSpPr>
+        <p:spPr/>
+        <p:txBody>
+          <a:bodyPr/>
+          <a:lstStyle/>
+          <a:p>
+            <a:r>
+              <a:rPr lang="en-US" dirty="0"/>
+              <a:t>References and more reading</a:t>
+            </a:r>
+          </a:p>
+        </p:txBody>
+      </p:sp>
+      <p:sp>
+        <p:nvSpPr>
+          <p:cNvPr id="3" name="Content Placeholder 2"/>
+          <p:cNvSpPr>
+            <a:spLocks noGrp="1"/>
+          </p:cNvSpPr>
+          <p:nvPr>
+            <p:ph idx="1"/>
+          </p:nvPr>
+        </p:nvSpPr>
+        <p:spPr/>
+        <p:txBody>
+          <a:bodyPr>
+            <a:normAutofit lnSpcReduction="10000"/>
+          </a:bodyPr>
+          <a:lstStyle/>
+          <a:p>
+            <a:r>
+              <a:rPr lang="en-US" dirty="0">
+                <a:hlinkClick r:id="rId2"/>
+              </a:rPr>
+              <a:t>http://en.wikipedia.org/wiki/PF_%28firewall%29</a:t>
+            </a:r>
+            <a:endParaRPr lang="en-US" dirty="0"/>
+          </a:p>
+          <a:p>
+            <a:r>
+              <a:rPr lang="en-US" dirty="0">
+                <a:hlinkClick r:id="rId3"/>
+              </a:rPr>
+              <a:t>http://www.openbsd.org/faq/pf/filter.html</a:t>
+            </a:r>
+            <a:endParaRPr lang="en-US" dirty="0"/>
+          </a:p>
+          <a:p>
+            <a:r>
+              <a:rPr lang="en-US" dirty="0">
+                <a:hlinkClick r:id="rId4"/>
+              </a:rPr>
+              <a:t>http://www.freebsd.org/doc/en_US.ISO8859-1/books/handbook/firewalls-pf.html</a:t>
+            </a:r>
+            <a:endParaRPr lang="en-US" dirty="0"/>
+          </a:p>
+          <a:p>
+            <a:r>
+              <a:rPr lang="en-US" dirty="0">
+                <a:hlinkClick r:id="rId5"/>
+              </a:rPr>
+              <a:t>http://en.wikipedia.org/wiki/Firewall_%28computing%29</a:t>
+            </a:r>
+            <a:r>
+              <a:rPr lang="en-US" dirty="0"/>
+              <a:t> </a:t>
+            </a:r>
+          </a:p>
+          <a:p>
+            <a:r>
+              <a:rPr lang="en-US" dirty="0">
+                <a:hlinkClick r:id="rId6"/>
+              </a:rPr>
+              <a:t>http://www.informit.com/articles/article.aspx?p=421057&amp;seqNum=4</a:t>
+            </a:r>
+            <a:endParaRPr lang="en-US" dirty="0"/>
+          </a:p>
+          <a:p>
+            <a:endParaRPr lang="en-US" dirty="0"/>
+          </a:p>
+          <a:p>
+            <a:endParaRPr lang="en-US" dirty="0"/>
+          </a:p>
+          <a:p>
+            <a:endParaRPr lang="en-US" dirty="0"/>
           </a:p>
         </p:txBody>
       </p:sp>
@@ -5447,7 +7429,7 @@
           <a:p>
             <a:r>
               <a:rPr lang="en-US" b="1" dirty="0"/>
-              <a:t>What about default deny?</a:t>
+              <a:t>What about default deny/permit?</a:t>
             </a:r>
           </a:p>
         </p:txBody>
